--- a/绘图.pptx
+++ b/绘图.pptx
@@ -10,6 +10,9 @@
     <p:sldId id="258" r:id="rId4"/>
     <p:sldId id="259" r:id="rId5"/>
     <p:sldId id="260" r:id="rId6"/>
+    <p:sldId id="261" r:id="rId7"/>
+    <p:sldId id="262" r:id="rId8"/>
+    <p:sldId id="263" r:id="rId9"/>
   </p:sldIdLst>
   <p:sldSz cx="12192000" cy="6858000"/>
   <p:notesSz cx="6858000" cy="9144000"/>
@@ -245,7 +248,7 @@
           <a:p>
             <a:fld id="{D997B5FA-0921-464F-AAE1-844C04324D75}" type="datetimeFigureOut">
               <a:rPr lang="zh-CN" altLang="en-US" smtClean="0"/>
-              <a:t>2023/4/25</a:t>
+              <a:t>2023/4/27</a:t>
             </a:fld>
             <a:endParaRPr lang="zh-CN" altLang="en-US"/>
           </a:p>
@@ -413,7 +416,7 @@
           <a:p>
             <a:fld id="{D997B5FA-0921-464F-AAE1-844C04324D75}" type="datetimeFigureOut">
               <a:rPr lang="zh-CN" altLang="en-US" smtClean="0"/>
-              <a:t>2023/4/25</a:t>
+              <a:t>2023/4/27</a:t>
             </a:fld>
             <a:endParaRPr lang="zh-CN" altLang="en-US"/>
           </a:p>
@@ -591,7 +594,7 @@
           <a:p>
             <a:fld id="{D997B5FA-0921-464F-AAE1-844C04324D75}" type="datetimeFigureOut">
               <a:rPr lang="zh-CN" altLang="en-US" smtClean="0"/>
-              <a:t>2023/4/25</a:t>
+              <a:t>2023/4/27</a:t>
             </a:fld>
             <a:endParaRPr lang="zh-CN" altLang="en-US"/>
           </a:p>
@@ -759,7 +762,7 @@
           <a:p>
             <a:fld id="{D997B5FA-0921-464F-AAE1-844C04324D75}" type="datetimeFigureOut">
               <a:rPr lang="zh-CN" altLang="en-US" smtClean="0"/>
-              <a:t>2023/4/25</a:t>
+              <a:t>2023/4/27</a:t>
             </a:fld>
             <a:endParaRPr lang="zh-CN" altLang="en-US"/>
           </a:p>
@@ -1004,7 +1007,7 @@
           <a:p>
             <a:fld id="{D997B5FA-0921-464F-AAE1-844C04324D75}" type="datetimeFigureOut">
               <a:rPr lang="zh-CN" altLang="en-US" smtClean="0"/>
-              <a:t>2023/4/25</a:t>
+              <a:t>2023/4/27</a:t>
             </a:fld>
             <a:endParaRPr lang="zh-CN" altLang="en-US"/>
           </a:p>
@@ -1233,7 +1236,7 @@
           <a:p>
             <a:fld id="{D997B5FA-0921-464F-AAE1-844C04324D75}" type="datetimeFigureOut">
               <a:rPr lang="zh-CN" altLang="en-US" smtClean="0"/>
-              <a:t>2023/4/25</a:t>
+              <a:t>2023/4/27</a:t>
             </a:fld>
             <a:endParaRPr lang="zh-CN" altLang="en-US"/>
           </a:p>
@@ -1597,7 +1600,7 @@
           <a:p>
             <a:fld id="{D997B5FA-0921-464F-AAE1-844C04324D75}" type="datetimeFigureOut">
               <a:rPr lang="zh-CN" altLang="en-US" smtClean="0"/>
-              <a:t>2023/4/25</a:t>
+              <a:t>2023/4/27</a:t>
             </a:fld>
             <a:endParaRPr lang="zh-CN" altLang="en-US"/>
           </a:p>
@@ -1714,7 +1717,7 @@
           <a:p>
             <a:fld id="{D997B5FA-0921-464F-AAE1-844C04324D75}" type="datetimeFigureOut">
               <a:rPr lang="zh-CN" altLang="en-US" smtClean="0"/>
-              <a:t>2023/4/25</a:t>
+              <a:t>2023/4/27</a:t>
             </a:fld>
             <a:endParaRPr lang="zh-CN" altLang="en-US"/>
           </a:p>
@@ -1809,7 +1812,7 @@
           <a:p>
             <a:fld id="{D997B5FA-0921-464F-AAE1-844C04324D75}" type="datetimeFigureOut">
               <a:rPr lang="zh-CN" altLang="en-US" smtClean="0"/>
-              <a:t>2023/4/25</a:t>
+              <a:t>2023/4/27</a:t>
             </a:fld>
             <a:endParaRPr lang="zh-CN" altLang="en-US"/>
           </a:p>
@@ -2084,7 +2087,7 @@
           <a:p>
             <a:fld id="{D997B5FA-0921-464F-AAE1-844C04324D75}" type="datetimeFigureOut">
               <a:rPr lang="zh-CN" altLang="en-US" smtClean="0"/>
-              <a:t>2023/4/25</a:t>
+              <a:t>2023/4/27</a:t>
             </a:fld>
             <a:endParaRPr lang="zh-CN" altLang="en-US"/>
           </a:p>
@@ -2336,7 +2339,7 @@
           <a:p>
             <a:fld id="{D997B5FA-0921-464F-AAE1-844C04324D75}" type="datetimeFigureOut">
               <a:rPr lang="zh-CN" altLang="en-US" smtClean="0"/>
-              <a:t>2023/4/25</a:t>
+              <a:t>2023/4/27</a:t>
             </a:fld>
             <a:endParaRPr lang="zh-CN" altLang="en-US"/>
           </a:p>
@@ -2547,7 +2550,7 @@
           <a:p>
             <a:fld id="{D997B5FA-0921-464F-AAE1-844C04324D75}" type="datetimeFigureOut">
               <a:rPr lang="zh-CN" altLang="en-US" smtClean="0"/>
-              <a:t>2023/4/25</a:t>
+              <a:t>2023/4/27</a:t>
             </a:fld>
             <a:endParaRPr lang="zh-CN" altLang="en-US"/>
           </a:p>
@@ -2954,10 +2957,10 @@
       </p:grpSpPr>
       <p:sp>
         <p:nvSpPr>
-          <p:cNvPr id="4" name="矩形: 圆角 3">
-            <a:extLst>
-              <a:ext uri="{FF2B5EF4-FFF2-40B4-BE49-F238E27FC236}">
-                <a16:creationId xmlns:a16="http://schemas.microsoft.com/office/drawing/2014/main" id="{464B29CC-980D-AD61-48BC-C4B02E095F74}"/>
+          <p:cNvPr id="3" name="矩形: 圆角 2">
+            <a:extLst>
+              <a:ext uri="{FF2B5EF4-FFF2-40B4-BE49-F238E27FC236}">
+                <a16:creationId xmlns:a16="http://schemas.microsoft.com/office/drawing/2014/main" id="{EADEF159-8E69-2F93-7F82-E48727292CCD}"/>
               </a:ext>
             </a:extLst>
           </p:cNvPr>
@@ -2966,8 +2969,8 @@
         </p:nvSpPr>
         <p:spPr>
           <a:xfrm>
-            <a:off x="1163570" y="4173881"/>
-            <a:ext cx="2420390" cy="499102"/>
+            <a:off x="571361" y="2260925"/>
+            <a:ext cx="2163867" cy="441410"/>
           </a:xfrm>
           <a:prstGeom prst="roundRect">
             <a:avLst/>
@@ -3010,7 +3013,7 @@
                 <a:latin typeface="Times New Roman" panose="02020603050405020304" pitchFamily="18" charset="0"/>
                 <a:cs typeface="Times New Roman" panose="02020603050405020304" pitchFamily="18" charset="0"/>
               </a:rPr>
-              <a:t>DAO</a:t>
+              <a:t>View Level</a:t>
             </a:r>
             <a:endParaRPr lang="zh-CN" altLang="en-US" dirty="0">
               <a:solidFill>
@@ -3022,100 +3025,12 @@
           </a:p>
         </p:txBody>
       </p:sp>
-      <p:cxnSp>
-        <p:nvCxnSpPr>
-          <p:cNvPr id="6" name="直接箭头连接符 5">
-            <a:extLst>
-              <a:ext uri="{FF2B5EF4-FFF2-40B4-BE49-F238E27FC236}">
-                <a16:creationId xmlns:a16="http://schemas.microsoft.com/office/drawing/2014/main" id="{F7B95260-F156-FE62-A470-6FD29BEC1BA2}"/>
-              </a:ext>
-            </a:extLst>
-          </p:cNvPr>
-          <p:cNvCxnSpPr>
-            <a:cxnSpLocks/>
-          </p:cNvCxnSpPr>
-          <p:nvPr/>
-        </p:nvCxnSpPr>
-        <p:spPr>
-          <a:xfrm flipV="1">
-            <a:off x="1847053" y="3839082"/>
-            <a:ext cx="0" cy="334799"/>
-          </a:xfrm>
-          <a:prstGeom prst="straightConnector1">
-            <a:avLst/>
-          </a:prstGeom>
-          <a:ln w="25400">
-            <a:solidFill>
-              <a:schemeClr val="tx1"/>
-            </a:solidFill>
-            <a:tailEnd type="triangle"/>
-          </a:ln>
-        </p:spPr>
-        <p:style>
-          <a:lnRef idx="1">
-            <a:schemeClr val="accent1"/>
-          </a:lnRef>
-          <a:fillRef idx="0">
-            <a:schemeClr val="accent1"/>
-          </a:fillRef>
-          <a:effectRef idx="0">
-            <a:schemeClr val="accent1"/>
-          </a:effectRef>
-          <a:fontRef idx="minor">
-            <a:schemeClr val="tx1"/>
-          </a:fontRef>
-        </p:style>
-      </p:cxnSp>
-      <p:cxnSp>
-        <p:nvCxnSpPr>
-          <p:cNvPr id="9" name="直接箭头连接符 8">
-            <a:extLst>
-              <a:ext uri="{FF2B5EF4-FFF2-40B4-BE49-F238E27FC236}">
-                <a16:creationId xmlns:a16="http://schemas.microsoft.com/office/drawing/2014/main" id="{A48C3D53-2B15-841F-D69A-DF77D07F7DF5}"/>
-              </a:ext>
-            </a:extLst>
-          </p:cNvPr>
-          <p:cNvCxnSpPr>
-            <a:cxnSpLocks/>
-          </p:cNvCxnSpPr>
-          <p:nvPr/>
-        </p:nvCxnSpPr>
-        <p:spPr>
-          <a:xfrm>
-            <a:off x="2820547" y="3839082"/>
-            <a:ext cx="0" cy="334799"/>
-          </a:xfrm>
-          <a:prstGeom prst="straightConnector1">
-            <a:avLst/>
-          </a:prstGeom>
-          <a:ln w="25400">
-            <a:solidFill>
-              <a:schemeClr val="tx1"/>
-            </a:solidFill>
-            <a:tailEnd type="triangle"/>
-          </a:ln>
-        </p:spPr>
-        <p:style>
-          <a:lnRef idx="1">
-            <a:schemeClr val="accent1"/>
-          </a:lnRef>
-          <a:fillRef idx="0">
-            <a:schemeClr val="accent1"/>
-          </a:fillRef>
-          <a:effectRef idx="0">
-            <a:schemeClr val="accent1"/>
-          </a:effectRef>
-          <a:fontRef idx="minor">
-            <a:schemeClr val="tx1"/>
-          </a:fontRef>
-        </p:style>
-      </p:cxnSp>
-      <p:sp>
-        <p:nvSpPr>
-          <p:cNvPr id="13" name="矩形: 圆角 12">
-            <a:extLst>
-              <a:ext uri="{FF2B5EF4-FFF2-40B4-BE49-F238E27FC236}">
-                <a16:creationId xmlns:a16="http://schemas.microsoft.com/office/drawing/2014/main" id="{FA33EBF3-0086-72D5-F190-4F0CD767C9B6}"/>
+      <p:sp>
+        <p:nvSpPr>
+          <p:cNvPr id="5" name="矩形: 圆角 4">
+            <a:extLst>
+              <a:ext uri="{FF2B5EF4-FFF2-40B4-BE49-F238E27FC236}">
+                <a16:creationId xmlns:a16="http://schemas.microsoft.com/office/drawing/2014/main" id="{E9045060-4E43-E9B6-AD3E-B8CBF55384ED}"/>
               </a:ext>
             </a:extLst>
           </p:cNvPr>
@@ -3124,8 +3039,8 @@
         </p:nvSpPr>
         <p:spPr>
           <a:xfrm>
-            <a:off x="1163570" y="3406226"/>
-            <a:ext cx="2420390" cy="432856"/>
+            <a:off x="571361" y="2715326"/>
+            <a:ext cx="2163867" cy="866558"/>
           </a:xfrm>
           <a:prstGeom prst="roundRect">
             <a:avLst/>
@@ -3161,18 +3076,18 @@
           <a:p>
             <a:pPr algn="ctr"/>
             <a:r>
-              <a:rPr lang="en-US" altLang="zh-CN" dirty="0">
+              <a:rPr lang="en-US" altLang="zh-CN" b="1" dirty="0">
                 <a:solidFill>
-                  <a:schemeClr val="tx1"/>
+                  <a:srgbClr val="FF0000"/>
                 </a:solidFill>
                 <a:latin typeface="Times New Roman" panose="02020603050405020304" pitchFamily="18" charset="0"/>
                 <a:cs typeface="Times New Roman" panose="02020603050405020304" pitchFamily="18" charset="0"/>
               </a:rPr>
-              <a:t>Controller</a:t>
-            </a:r>
-            <a:endParaRPr lang="zh-CN" altLang="en-US" dirty="0">
+              <a:t>SpringMVC</a:t>
+            </a:r>
+            <a:endParaRPr lang="zh-CN" altLang="en-US" b="1" dirty="0">
               <a:solidFill>
-                <a:schemeClr val="tx1"/>
+                <a:srgbClr val="FF0000"/>
               </a:solidFill>
               <a:latin typeface="Times New Roman" panose="02020603050405020304" pitchFamily="18" charset="0"/>
               <a:cs typeface="Times New Roman" panose="02020603050405020304" pitchFamily="18" charset="0"/>
@@ -3180,100 +3095,12 @@
           </a:p>
         </p:txBody>
       </p:sp>
-      <p:cxnSp>
-        <p:nvCxnSpPr>
-          <p:cNvPr id="28" name="直接箭头连接符 27">
-            <a:extLst>
-              <a:ext uri="{FF2B5EF4-FFF2-40B4-BE49-F238E27FC236}">
-                <a16:creationId xmlns:a16="http://schemas.microsoft.com/office/drawing/2014/main" id="{3A2BE723-DCE1-9523-8C2A-032035AF2939}"/>
-              </a:ext>
-            </a:extLst>
-          </p:cNvPr>
-          <p:cNvCxnSpPr>
-            <a:cxnSpLocks/>
-          </p:cNvCxnSpPr>
-          <p:nvPr/>
-        </p:nvCxnSpPr>
-        <p:spPr>
-          <a:xfrm flipV="1">
-            <a:off x="1847053" y="3071427"/>
-            <a:ext cx="0" cy="334799"/>
-          </a:xfrm>
-          <a:prstGeom prst="straightConnector1">
-            <a:avLst/>
-          </a:prstGeom>
-          <a:ln w="25400">
-            <a:solidFill>
-              <a:schemeClr val="tx1"/>
-            </a:solidFill>
-            <a:tailEnd type="triangle"/>
-          </a:ln>
-        </p:spPr>
-        <p:style>
-          <a:lnRef idx="1">
-            <a:schemeClr val="accent1"/>
-          </a:lnRef>
-          <a:fillRef idx="0">
-            <a:schemeClr val="accent1"/>
-          </a:fillRef>
-          <a:effectRef idx="0">
-            <a:schemeClr val="accent1"/>
-          </a:effectRef>
-          <a:fontRef idx="minor">
-            <a:schemeClr val="tx1"/>
-          </a:fontRef>
-        </p:style>
-      </p:cxnSp>
-      <p:cxnSp>
-        <p:nvCxnSpPr>
-          <p:cNvPr id="29" name="直接箭头连接符 28">
-            <a:extLst>
-              <a:ext uri="{FF2B5EF4-FFF2-40B4-BE49-F238E27FC236}">
-                <a16:creationId xmlns:a16="http://schemas.microsoft.com/office/drawing/2014/main" id="{8C87ECEA-B709-C0D4-90B3-E29988A56C99}"/>
-              </a:ext>
-            </a:extLst>
-          </p:cNvPr>
-          <p:cNvCxnSpPr>
-            <a:cxnSpLocks/>
-          </p:cNvCxnSpPr>
-          <p:nvPr/>
-        </p:nvCxnSpPr>
-        <p:spPr>
-          <a:xfrm>
-            <a:off x="2820547" y="3071427"/>
-            <a:ext cx="0" cy="334799"/>
-          </a:xfrm>
-          <a:prstGeom prst="straightConnector1">
-            <a:avLst/>
-          </a:prstGeom>
-          <a:ln w="25400">
-            <a:solidFill>
-              <a:schemeClr val="tx1"/>
-            </a:solidFill>
-            <a:tailEnd type="triangle"/>
-          </a:ln>
-        </p:spPr>
-        <p:style>
-          <a:lnRef idx="1">
-            <a:schemeClr val="accent1"/>
-          </a:lnRef>
-          <a:fillRef idx="0">
-            <a:schemeClr val="accent1"/>
-          </a:fillRef>
-          <a:effectRef idx="0">
-            <a:schemeClr val="accent1"/>
-          </a:effectRef>
-          <a:fontRef idx="minor">
-            <a:schemeClr val="tx1"/>
-          </a:fontRef>
-        </p:style>
-      </p:cxnSp>
-      <p:sp>
-        <p:nvSpPr>
-          <p:cNvPr id="30" name="矩形: 圆角 29">
-            <a:extLst>
-              <a:ext uri="{FF2B5EF4-FFF2-40B4-BE49-F238E27FC236}">
-                <a16:creationId xmlns:a16="http://schemas.microsoft.com/office/drawing/2014/main" id="{2B947E11-0FE8-99EC-344C-2F42B790E98C}"/>
+      <p:sp>
+        <p:nvSpPr>
+          <p:cNvPr id="7" name="矩形: 圆角 6">
+            <a:extLst>
+              <a:ext uri="{FF2B5EF4-FFF2-40B4-BE49-F238E27FC236}">
+                <a16:creationId xmlns:a16="http://schemas.microsoft.com/office/drawing/2014/main" id="{62621A91-1D11-E989-EE2E-1FB82380D620}"/>
               </a:ext>
             </a:extLst>
           </p:cNvPr>
@@ -3282,8 +3109,8 @@
         </p:nvSpPr>
         <p:spPr>
           <a:xfrm>
-            <a:off x="1163570" y="2638571"/>
-            <a:ext cx="2420390" cy="432856"/>
+            <a:off x="3848083" y="2260925"/>
+            <a:ext cx="1840408" cy="432856"/>
           </a:xfrm>
           <a:prstGeom prst="roundRect">
             <a:avLst/>
@@ -3326,7 +3153,7 @@
                 <a:latin typeface="Times New Roman" panose="02020603050405020304" pitchFamily="18" charset="0"/>
                 <a:cs typeface="Times New Roman" panose="02020603050405020304" pitchFamily="18" charset="0"/>
               </a:rPr>
-              <a:t>Browser</a:t>
+              <a:t>Service Level</a:t>
             </a:r>
             <a:endParaRPr lang="zh-CN" altLang="en-US" dirty="0">
               <a:solidFill>
@@ -3338,100 +3165,12 @@
           </a:p>
         </p:txBody>
       </p:sp>
-      <p:cxnSp>
-        <p:nvCxnSpPr>
-          <p:cNvPr id="31" name="直接箭头连接符 30">
-            <a:extLst>
-              <a:ext uri="{FF2B5EF4-FFF2-40B4-BE49-F238E27FC236}">
-                <a16:creationId xmlns:a16="http://schemas.microsoft.com/office/drawing/2014/main" id="{C1307664-05A6-386C-4F4C-7A12F7656DA3}"/>
-              </a:ext>
-            </a:extLst>
-          </p:cNvPr>
-          <p:cNvCxnSpPr>
-            <a:cxnSpLocks/>
-          </p:cNvCxnSpPr>
-          <p:nvPr/>
-        </p:nvCxnSpPr>
-        <p:spPr>
-          <a:xfrm flipV="1">
-            <a:off x="1847053" y="2303772"/>
-            <a:ext cx="0" cy="334799"/>
-          </a:xfrm>
-          <a:prstGeom prst="straightConnector1">
-            <a:avLst/>
-          </a:prstGeom>
-          <a:ln w="25400">
-            <a:solidFill>
-              <a:schemeClr val="tx1"/>
-            </a:solidFill>
-            <a:tailEnd type="triangle"/>
-          </a:ln>
-        </p:spPr>
-        <p:style>
-          <a:lnRef idx="1">
-            <a:schemeClr val="accent1"/>
-          </a:lnRef>
-          <a:fillRef idx="0">
-            <a:schemeClr val="accent1"/>
-          </a:fillRef>
-          <a:effectRef idx="0">
-            <a:schemeClr val="accent1"/>
-          </a:effectRef>
-          <a:fontRef idx="minor">
-            <a:schemeClr val="tx1"/>
-          </a:fontRef>
-        </p:style>
-      </p:cxnSp>
-      <p:cxnSp>
-        <p:nvCxnSpPr>
-          <p:cNvPr id="32" name="直接箭头连接符 31">
-            <a:extLst>
-              <a:ext uri="{FF2B5EF4-FFF2-40B4-BE49-F238E27FC236}">
-                <a16:creationId xmlns:a16="http://schemas.microsoft.com/office/drawing/2014/main" id="{FBD1A19D-D5E8-CCEE-9911-BB7896145EBA}"/>
-              </a:ext>
-            </a:extLst>
-          </p:cNvPr>
-          <p:cNvCxnSpPr>
-            <a:cxnSpLocks/>
-          </p:cNvCxnSpPr>
-          <p:nvPr/>
-        </p:nvCxnSpPr>
-        <p:spPr>
-          <a:xfrm>
-            <a:off x="2820547" y="2303772"/>
-            <a:ext cx="0" cy="334799"/>
-          </a:xfrm>
-          <a:prstGeom prst="straightConnector1">
-            <a:avLst/>
-          </a:prstGeom>
-          <a:ln w="25400">
-            <a:solidFill>
-              <a:schemeClr val="tx1"/>
-            </a:solidFill>
-            <a:tailEnd type="triangle"/>
-          </a:ln>
-        </p:spPr>
-        <p:style>
-          <a:lnRef idx="1">
-            <a:schemeClr val="accent1"/>
-          </a:lnRef>
-          <a:fillRef idx="0">
-            <a:schemeClr val="accent1"/>
-          </a:fillRef>
-          <a:effectRef idx="0">
-            <a:schemeClr val="accent1"/>
-          </a:effectRef>
-          <a:fontRef idx="minor">
-            <a:schemeClr val="tx1"/>
-          </a:fontRef>
-        </p:style>
-      </p:cxnSp>
-      <p:sp>
-        <p:nvSpPr>
-          <p:cNvPr id="33" name="矩形: 圆角 32">
-            <a:extLst>
-              <a:ext uri="{FF2B5EF4-FFF2-40B4-BE49-F238E27FC236}">
-                <a16:creationId xmlns:a16="http://schemas.microsoft.com/office/drawing/2014/main" id="{A94DDB08-CBDF-CBAF-FC4B-DBEBC19CE26A}"/>
+      <p:sp>
+        <p:nvSpPr>
+          <p:cNvPr id="8" name="矩形: 圆角 7">
+            <a:extLst>
+              <a:ext uri="{FF2B5EF4-FFF2-40B4-BE49-F238E27FC236}">
+                <a16:creationId xmlns:a16="http://schemas.microsoft.com/office/drawing/2014/main" id="{87D17E79-E23E-163C-67C8-0EE03E54BAC5}"/>
               </a:ext>
             </a:extLst>
           </p:cNvPr>
@@ -3440,8 +3179,8 @@
         </p:nvSpPr>
         <p:spPr>
           <a:xfrm>
-            <a:off x="1163570" y="1870916"/>
-            <a:ext cx="2420390" cy="432856"/>
+            <a:off x="3848083" y="2696090"/>
+            <a:ext cx="1840408" cy="432856"/>
           </a:xfrm>
           <a:prstGeom prst="roundRect">
             <a:avLst/>
@@ -3484,7 +3223,7 @@
                 <a:latin typeface="Times New Roman" panose="02020603050405020304" pitchFamily="18" charset="0"/>
                 <a:cs typeface="Times New Roman" panose="02020603050405020304" pitchFamily="18" charset="0"/>
               </a:rPr>
-              <a:t>Customer</a:t>
+              <a:t>Interfaces</a:t>
             </a:r>
             <a:endParaRPr lang="zh-CN" altLang="en-US" dirty="0">
               <a:solidFill>
@@ -3498,10 +3237,10 @@
       </p:sp>
       <p:sp>
         <p:nvSpPr>
-          <p:cNvPr id="42" name="矩形: 圆角 41">
-            <a:extLst>
-              <a:ext uri="{FF2B5EF4-FFF2-40B4-BE49-F238E27FC236}">
-                <a16:creationId xmlns:a16="http://schemas.microsoft.com/office/drawing/2014/main" id="{BC8EC335-0B9A-9A0E-E82E-DA478EBFDC03}"/>
+          <p:cNvPr id="10" name="矩形: 圆角 9">
+            <a:extLst>
+              <a:ext uri="{FF2B5EF4-FFF2-40B4-BE49-F238E27FC236}">
+                <a16:creationId xmlns:a16="http://schemas.microsoft.com/office/drawing/2014/main" id="{495AD89B-C58B-1C0B-2032-F6CA221CCB7D}"/>
               </a:ext>
             </a:extLst>
           </p:cNvPr>
@@ -3510,8 +3249,8 @@
         </p:nvSpPr>
         <p:spPr>
           <a:xfrm>
-            <a:off x="1163570" y="5007782"/>
-            <a:ext cx="2420390" cy="499102"/>
+            <a:off x="3848083" y="3133564"/>
+            <a:ext cx="1840408" cy="432856"/>
           </a:xfrm>
           <a:prstGeom prst="roundRect">
             <a:avLst/>
@@ -3554,7 +3293,7 @@
                 <a:latin typeface="Times New Roman" panose="02020603050405020304" pitchFamily="18" charset="0"/>
                 <a:cs typeface="Times New Roman" panose="02020603050405020304" pitchFamily="18" charset="0"/>
               </a:rPr>
-              <a:t>DATABASE</a:t>
+              <a:t>Impls</a:t>
             </a:r>
             <a:endParaRPr lang="zh-CN" altLang="en-US" dirty="0">
               <a:solidFill>
@@ -3566,33 +3305,473 @@
           </a:p>
         </p:txBody>
       </p:sp>
-      <p:cxnSp>
-        <p:nvCxnSpPr>
-          <p:cNvPr id="43" name="直接箭头连接符 42">
-            <a:extLst>
-              <a:ext uri="{FF2B5EF4-FFF2-40B4-BE49-F238E27FC236}">
-                <a16:creationId xmlns:a16="http://schemas.microsoft.com/office/drawing/2014/main" id="{F47C49EE-E4CA-99DE-C175-684B8C6FD582}"/>
-              </a:ext>
-            </a:extLst>
-          </p:cNvPr>
-          <p:cNvCxnSpPr>
-            <a:cxnSpLocks/>
-          </p:cNvCxnSpPr>
-          <p:nvPr/>
-        </p:nvCxnSpPr>
-        <p:spPr>
-          <a:xfrm flipV="1">
-            <a:off x="1847053" y="4672983"/>
-            <a:ext cx="0" cy="334799"/>
-          </a:xfrm>
-          <a:prstGeom prst="straightConnector1">
-            <a:avLst/>
-          </a:prstGeom>
-          <a:ln w="25400">
+      <p:sp>
+        <p:nvSpPr>
+          <p:cNvPr id="11" name="矩形: 圆角 10">
+            <a:extLst>
+              <a:ext uri="{FF2B5EF4-FFF2-40B4-BE49-F238E27FC236}">
+                <a16:creationId xmlns:a16="http://schemas.microsoft.com/office/drawing/2014/main" id="{3176E87B-D688-05CF-1F76-DC591D269A78}"/>
+              </a:ext>
+            </a:extLst>
+          </p:cNvPr>
+          <p:cNvSpPr/>
+          <p:nvPr/>
+        </p:nvSpPr>
+        <p:spPr>
+          <a:xfrm>
+            <a:off x="6732040" y="2282470"/>
+            <a:ext cx="1840408" cy="432856"/>
+          </a:xfrm>
+          <a:prstGeom prst="roundRect">
+            <a:avLst/>
+          </a:prstGeom>
+          <a:solidFill>
+            <a:srgbClr val="E6F1F3"/>
+          </a:solidFill>
+          <a:ln>
             <a:solidFill>
               <a:schemeClr val="tx1"/>
             </a:solidFill>
-            <a:tailEnd type="triangle"/>
+          </a:ln>
+        </p:spPr>
+        <p:style>
+          <a:lnRef idx="2">
+            <a:schemeClr val="accent1">
+              <a:shade val="50000"/>
+            </a:schemeClr>
+          </a:lnRef>
+          <a:fillRef idx="1">
+            <a:schemeClr val="accent1"/>
+          </a:fillRef>
+          <a:effectRef idx="0">
+            <a:schemeClr val="accent1"/>
+          </a:effectRef>
+          <a:fontRef idx="minor">
+            <a:schemeClr val="lt1"/>
+          </a:fontRef>
+        </p:style>
+        <p:txBody>
+          <a:bodyPr rtlCol="0" anchor="ctr"/>
+          <a:lstStyle/>
+          <a:p>
+            <a:pPr algn="ctr"/>
+            <a:r>
+              <a:rPr lang="en-US" altLang="zh-CN" dirty="0">
+                <a:solidFill>
+                  <a:schemeClr val="tx1"/>
+                </a:solidFill>
+                <a:latin typeface="Times New Roman" panose="02020603050405020304" pitchFamily="18" charset="0"/>
+                <a:cs typeface="Times New Roman" panose="02020603050405020304" pitchFamily="18" charset="0"/>
+              </a:rPr>
+              <a:t>Dao Level</a:t>
+            </a:r>
+            <a:endParaRPr lang="zh-CN" altLang="en-US" dirty="0">
+              <a:solidFill>
+                <a:schemeClr val="tx1"/>
+              </a:solidFill>
+              <a:latin typeface="Times New Roman" panose="02020603050405020304" pitchFamily="18" charset="0"/>
+              <a:cs typeface="Times New Roman" panose="02020603050405020304" pitchFamily="18" charset="0"/>
+            </a:endParaRPr>
+          </a:p>
+        </p:txBody>
+      </p:sp>
+      <p:sp>
+        <p:nvSpPr>
+          <p:cNvPr id="12" name="矩形: 圆角 11">
+            <a:extLst>
+              <a:ext uri="{FF2B5EF4-FFF2-40B4-BE49-F238E27FC236}">
+                <a16:creationId xmlns:a16="http://schemas.microsoft.com/office/drawing/2014/main" id="{5CDEAA33-79A6-59DC-E22F-B068B50BAB17}"/>
+              </a:ext>
+            </a:extLst>
+          </p:cNvPr>
+          <p:cNvSpPr/>
+          <p:nvPr/>
+        </p:nvSpPr>
+        <p:spPr>
+          <a:xfrm>
+            <a:off x="6732040" y="2717635"/>
+            <a:ext cx="1840408" cy="432856"/>
+          </a:xfrm>
+          <a:prstGeom prst="roundRect">
+            <a:avLst/>
+          </a:prstGeom>
+          <a:solidFill>
+            <a:srgbClr val="E6F1F3"/>
+          </a:solidFill>
+          <a:ln>
+            <a:solidFill>
+              <a:schemeClr val="tx1"/>
+            </a:solidFill>
+          </a:ln>
+        </p:spPr>
+        <p:style>
+          <a:lnRef idx="2">
+            <a:schemeClr val="accent1">
+              <a:shade val="50000"/>
+            </a:schemeClr>
+          </a:lnRef>
+          <a:fillRef idx="1">
+            <a:schemeClr val="accent1"/>
+          </a:fillRef>
+          <a:effectRef idx="0">
+            <a:schemeClr val="accent1"/>
+          </a:effectRef>
+          <a:fontRef idx="minor">
+            <a:schemeClr val="lt1"/>
+          </a:fontRef>
+        </p:style>
+        <p:txBody>
+          <a:bodyPr rtlCol="0" anchor="ctr"/>
+          <a:lstStyle/>
+          <a:p>
+            <a:pPr algn="ctr"/>
+            <a:r>
+              <a:rPr lang="en-US" altLang="zh-CN" dirty="0">
+                <a:solidFill>
+                  <a:schemeClr val="tx1"/>
+                </a:solidFill>
+                <a:latin typeface="Times New Roman" panose="02020603050405020304" pitchFamily="18" charset="0"/>
+                <a:cs typeface="Times New Roman" panose="02020603050405020304" pitchFamily="18" charset="0"/>
+              </a:rPr>
+              <a:t>Interfaces</a:t>
+            </a:r>
+            <a:endParaRPr lang="zh-CN" altLang="en-US" dirty="0">
+              <a:solidFill>
+                <a:schemeClr val="tx1"/>
+              </a:solidFill>
+              <a:latin typeface="Times New Roman" panose="02020603050405020304" pitchFamily="18" charset="0"/>
+              <a:cs typeface="Times New Roman" panose="02020603050405020304" pitchFamily="18" charset="0"/>
+            </a:endParaRPr>
+          </a:p>
+        </p:txBody>
+      </p:sp>
+      <p:sp>
+        <p:nvSpPr>
+          <p:cNvPr id="14" name="矩形: 圆角 13">
+            <a:extLst>
+              <a:ext uri="{FF2B5EF4-FFF2-40B4-BE49-F238E27FC236}">
+                <a16:creationId xmlns:a16="http://schemas.microsoft.com/office/drawing/2014/main" id="{63A4393B-125F-4A95-C7A2-C7924652CD48}"/>
+              </a:ext>
+            </a:extLst>
+          </p:cNvPr>
+          <p:cNvSpPr/>
+          <p:nvPr/>
+        </p:nvSpPr>
+        <p:spPr>
+          <a:xfrm>
+            <a:off x="6732040" y="3155109"/>
+            <a:ext cx="1840408" cy="432856"/>
+          </a:xfrm>
+          <a:prstGeom prst="roundRect">
+            <a:avLst/>
+          </a:prstGeom>
+          <a:solidFill>
+            <a:srgbClr val="E6F1F3"/>
+          </a:solidFill>
+          <a:ln>
+            <a:solidFill>
+              <a:schemeClr val="tx1"/>
+            </a:solidFill>
+          </a:ln>
+        </p:spPr>
+        <p:style>
+          <a:lnRef idx="2">
+            <a:schemeClr val="accent1">
+              <a:shade val="50000"/>
+            </a:schemeClr>
+          </a:lnRef>
+          <a:fillRef idx="1">
+            <a:schemeClr val="accent1"/>
+          </a:fillRef>
+          <a:effectRef idx="0">
+            <a:schemeClr val="accent1"/>
+          </a:effectRef>
+          <a:fontRef idx="minor">
+            <a:schemeClr val="lt1"/>
+          </a:fontRef>
+        </p:style>
+        <p:txBody>
+          <a:bodyPr rtlCol="0" anchor="ctr"/>
+          <a:lstStyle/>
+          <a:p>
+            <a:pPr algn="ctr"/>
+            <a:r>
+              <a:rPr lang="en-US" altLang="zh-CN" dirty="0">
+                <a:solidFill>
+                  <a:srgbClr val="FF0000"/>
+                </a:solidFill>
+                <a:latin typeface="Times New Roman" panose="02020603050405020304" pitchFamily="18" charset="0"/>
+                <a:cs typeface="Times New Roman" panose="02020603050405020304" pitchFamily="18" charset="0"/>
+              </a:rPr>
+              <a:t>MyBatis</a:t>
+            </a:r>
+            <a:endParaRPr lang="zh-CN" altLang="en-US" dirty="0">
+              <a:solidFill>
+                <a:srgbClr val="FF0000"/>
+              </a:solidFill>
+              <a:latin typeface="Times New Roman" panose="02020603050405020304" pitchFamily="18" charset="0"/>
+              <a:cs typeface="Times New Roman" panose="02020603050405020304" pitchFamily="18" charset="0"/>
+            </a:endParaRPr>
+          </a:p>
+        </p:txBody>
+      </p:sp>
+      <p:sp>
+        <p:nvSpPr>
+          <p:cNvPr id="15" name="圆柱体 14">
+            <a:extLst>
+              <a:ext uri="{FF2B5EF4-FFF2-40B4-BE49-F238E27FC236}">
+                <a16:creationId xmlns:a16="http://schemas.microsoft.com/office/drawing/2014/main" id="{CBAB6021-9349-C46A-2843-E8FC80D95345}"/>
+              </a:ext>
+            </a:extLst>
+          </p:cNvPr>
+          <p:cNvSpPr/>
+          <p:nvPr/>
+        </p:nvSpPr>
+        <p:spPr>
+          <a:xfrm>
+            <a:off x="9777405" y="2523601"/>
+            <a:ext cx="970384" cy="1054359"/>
+          </a:xfrm>
+          <a:prstGeom prst="can">
+            <a:avLst/>
+          </a:prstGeom>
+          <a:solidFill>
+            <a:srgbClr val="E6F1F3"/>
+          </a:solidFill>
+        </p:spPr>
+        <p:style>
+          <a:lnRef idx="2">
+            <a:schemeClr val="accent1">
+              <a:shade val="50000"/>
+            </a:schemeClr>
+          </a:lnRef>
+          <a:fillRef idx="1">
+            <a:schemeClr val="accent1"/>
+          </a:fillRef>
+          <a:effectRef idx="0">
+            <a:schemeClr val="accent1"/>
+          </a:effectRef>
+          <a:fontRef idx="minor">
+            <a:schemeClr val="lt1"/>
+          </a:fontRef>
+        </p:style>
+        <p:txBody>
+          <a:bodyPr rtlCol="0" anchor="ctr"/>
+          <a:lstStyle/>
+          <a:p>
+            <a:pPr algn="ctr"/>
+            <a:r>
+              <a:rPr lang="en-US" altLang="zh-CN" b="1" dirty="0">
+                <a:solidFill>
+                  <a:schemeClr val="tx1">
+                    <a:lumMod val="75000"/>
+                    <a:lumOff val="25000"/>
+                  </a:schemeClr>
+                </a:solidFill>
+                <a:latin typeface="Times New Roman" panose="02020603050405020304" pitchFamily="18" charset="0"/>
+                <a:cs typeface="Times New Roman" panose="02020603050405020304" pitchFamily="18" charset="0"/>
+              </a:rPr>
+              <a:t>DB</a:t>
+            </a:r>
+            <a:endParaRPr lang="zh-CN" altLang="en-US" b="1" dirty="0">
+              <a:solidFill>
+                <a:schemeClr val="tx1">
+                  <a:lumMod val="75000"/>
+                  <a:lumOff val="25000"/>
+                </a:schemeClr>
+              </a:solidFill>
+              <a:latin typeface="Times New Roman" panose="02020603050405020304" pitchFamily="18" charset="0"/>
+              <a:cs typeface="Times New Roman" panose="02020603050405020304" pitchFamily="18" charset="0"/>
+            </a:endParaRPr>
+          </a:p>
+        </p:txBody>
+      </p:sp>
+      <p:sp>
+        <p:nvSpPr>
+          <p:cNvPr id="17" name="箭头: 右 16">
+            <a:extLst>
+              <a:ext uri="{FF2B5EF4-FFF2-40B4-BE49-F238E27FC236}">
+                <a16:creationId xmlns:a16="http://schemas.microsoft.com/office/drawing/2014/main" id="{18BC4720-CBDA-A3A6-B32B-96824E41B424}"/>
+              </a:ext>
+            </a:extLst>
+          </p:cNvPr>
+          <p:cNvSpPr/>
+          <p:nvPr/>
+        </p:nvSpPr>
+        <p:spPr>
+          <a:xfrm rot="20067553">
+            <a:off x="5823045" y="2932176"/>
+            <a:ext cx="774441" cy="432856"/>
+          </a:xfrm>
+          <a:prstGeom prst="rightArrow">
+            <a:avLst/>
+          </a:prstGeom>
+          <a:solidFill>
+            <a:srgbClr val="A8DADB"/>
+          </a:solidFill>
+          <a:ln>
+            <a:solidFill>
+              <a:schemeClr val="tx1"/>
+            </a:solidFill>
+          </a:ln>
+        </p:spPr>
+        <p:style>
+          <a:lnRef idx="2">
+            <a:schemeClr val="accent1">
+              <a:shade val="50000"/>
+            </a:schemeClr>
+          </a:lnRef>
+          <a:fillRef idx="1">
+            <a:schemeClr val="accent1"/>
+          </a:fillRef>
+          <a:effectRef idx="0">
+            <a:schemeClr val="accent1"/>
+          </a:effectRef>
+          <a:fontRef idx="minor">
+            <a:schemeClr val="lt1"/>
+          </a:fontRef>
+        </p:style>
+        <p:txBody>
+          <a:bodyPr rtlCol="0" anchor="ctr"/>
+          <a:lstStyle/>
+          <a:p>
+            <a:pPr algn="ctr"/>
+            <a:endParaRPr lang="zh-CN" altLang="en-US"/>
+          </a:p>
+        </p:txBody>
+      </p:sp>
+      <p:sp>
+        <p:nvSpPr>
+          <p:cNvPr id="18" name="箭头: 右 17">
+            <a:extLst>
+              <a:ext uri="{FF2B5EF4-FFF2-40B4-BE49-F238E27FC236}">
+                <a16:creationId xmlns:a16="http://schemas.microsoft.com/office/drawing/2014/main" id="{3ECAD94D-E619-0399-16FC-17FCA88541C9}"/>
+              </a:ext>
+            </a:extLst>
+          </p:cNvPr>
+          <p:cNvSpPr/>
+          <p:nvPr/>
+        </p:nvSpPr>
+        <p:spPr>
+          <a:xfrm rot="20067553">
+            <a:off x="2939452" y="2920600"/>
+            <a:ext cx="774441" cy="432856"/>
+          </a:xfrm>
+          <a:prstGeom prst="rightArrow">
+            <a:avLst/>
+          </a:prstGeom>
+          <a:solidFill>
+            <a:srgbClr val="A8DADB"/>
+          </a:solidFill>
+          <a:ln>
+            <a:solidFill>
+              <a:schemeClr val="tx1"/>
+            </a:solidFill>
+          </a:ln>
+        </p:spPr>
+        <p:style>
+          <a:lnRef idx="2">
+            <a:schemeClr val="accent1">
+              <a:shade val="50000"/>
+            </a:schemeClr>
+          </a:lnRef>
+          <a:fillRef idx="1">
+            <a:schemeClr val="accent1"/>
+          </a:fillRef>
+          <a:effectRef idx="0">
+            <a:schemeClr val="accent1"/>
+          </a:effectRef>
+          <a:fontRef idx="minor">
+            <a:schemeClr val="lt1"/>
+          </a:fontRef>
+        </p:style>
+        <p:txBody>
+          <a:bodyPr rtlCol="0" anchor="ctr"/>
+          <a:lstStyle/>
+          <a:p>
+            <a:pPr algn="ctr"/>
+            <a:endParaRPr lang="zh-CN" altLang="en-US"/>
+          </a:p>
+        </p:txBody>
+      </p:sp>
+      <p:sp>
+        <p:nvSpPr>
+          <p:cNvPr id="19" name="箭头: 右 18">
+            <a:extLst>
+              <a:ext uri="{FF2B5EF4-FFF2-40B4-BE49-F238E27FC236}">
+                <a16:creationId xmlns:a16="http://schemas.microsoft.com/office/drawing/2014/main" id="{813CED3A-E110-FC5F-908A-F1289C78711D}"/>
+              </a:ext>
+            </a:extLst>
+          </p:cNvPr>
+          <p:cNvSpPr/>
+          <p:nvPr/>
+        </p:nvSpPr>
+        <p:spPr>
+          <a:xfrm rot="20067553">
+            <a:off x="8786082" y="2987762"/>
+            <a:ext cx="774441" cy="432856"/>
+          </a:xfrm>
+          <a:prstGeom prst="rightArrow">
+            <a:avLst/>
+          </a:prstGeom>
+          <a:solidFill>
+            <a:srgbClr val="A8DADB"/>
+          </a:solidFill>
+          <a:ln>
+            <a:solidFill>
+              <a:schemeClr val="tx1"/>
+            </a:solidFill>
+          </a:ln>
+        </p:spPr>
+        <p:style>
+          <a:lnRef idx="2">
+            <a:schemeClr val="accent1">
+              <a:shade val="50000"/>
+            </a:schemeClr>
+          </a:lnRef>
+          <a:fillRef idx="1">
+            <a:schemeClr val="accent1"/>
+          </a:fillRef>
+          <a:effectRef idx="0">
+            <a:schemeClr val="accent1"/>
+          </a:effectRef>
+          <a:fontRef idx="minor">
+            <a:schemeClr val="lt1"/>
+          </a:fontRef>
+        </p:style>
+        <p:txBody>
+          <a:bodyPr rtlCol="0" anchor="ctr"/>
+          <a:lstStyle/>
+          <a:p>
+            <a:pPr algn="ctr"/>
+            <a:endParaRPr lang="zh-CN" altLang="en-US"/>
+          </a:p>
+        </p:txBody>
+      </p:sp>
+      <p:sp>
+        <p:nvSpPr>
+          <p:cNvPr id="20" name="右大括号 19">
+            <a:extLst>
+              <a:ext uri="{FF2B5EF4-FFF2-40B4-BE49-F238E27FC236}">
+                <a16:creationId xmlns:a16="http://schemas.microsoft.com/office/drawing/2014/main" id="{8BE56436-4F6E-EEF9-C179-AB0A83815ED3}"/>
+              </a:ext>
+            </a:extLst>
+          </p:cNvPr>
+          <p:cNvSpPr/>
+          <p:nvPr/>
+        </p:nvSpPr>
+        <p:spPr>
+          <a:xfrm rot="16200000">
+            <a:off x="4418631" y="-1103966"/>
+            <a:ext cx="386498" cy="5997197"/>
+          </a:xfrm>
+          <a:prstGeom prst="rightBrace">
+            <a:avLst/>
+          </a:prstGeom>
+          <a:ln w="15875">
+            <a:solidFill>
+              <a:schemeClr val="tx1"/>
+            </a:solidFill>
           </a:ln>
         </p:spPr>
         <p:style>
@@ -3609,51 +3788,107 @@
             <a:schemeClr val="tx1"/>
           </a:fontRef>
         </p:style>
-      </p:cxnSp>
-      <p:cxnSp>
-        <p:nvCxnSpPr>
-          <p:cNvPr id="44" name="直接箭头连接符 43">
-            <a:extLst>
-              <a:ext uri="{FF2B5EF4-FFF2-40B4-BE49-F238E27FC236}">
-                <a16:creationId xmlns:a16="http://schemas.microsoft.com/office/drawing/2014/main" id="{6A2C5C04-4D27-C467-6831-91FF644E6ADA}"/>
-              </a:ext>
-            </a:extLst>
-          </p:cNvPr>
-          <p:cNvCxnSpPr>
-            <a:cxnSpLocks/>
-          </p:cNvCxnSpPr>
-          <p:nvPr/>
-        </p:nvCxnSpPr>
-        <p:spPr>
-          <a:xfrm>
-            <a:off x="2820547" y="4672983"/>
-            <a:ext cx="0" cy="334799"/>
-          </a:xfrm>
-          <a:prstGeom prst="straightConnector1">
-            <a:avLst/>
-          </a:prstGeom>
-          <a:ln w="25400">
-            <a:solidFill>
-              <a:schemeClr val="tx1"/>
-            </a:solidFill>
-            <a:tailEnd type="triangle"/>
-          </a:ln>
-        </p:spPr>
-        <p:style>
-          <a:lnRef idx="1">
-            <a:schemeClr val="accent1"/>
-          </a:lnRef>
-          <a:fillRef idx="0">
-            <a:schemeClr val="accent1"/>
-          </a:fillRef>
-          <a:effectRef idx="0">
-            <a:schemeClr val="accent1"/>
-          </a:effectRef>
-          <a:fontRef idx="minor">
-            <a:schemeClr val="tx1"/>
-          </a:fontRef>
-        </p:style>
-      </p:cxnSp>
+        <p:txBody>
+          <a:bodyPr rtlCol="0" anchor="ctr"/>
+          <a:lstStyle/>
+          <a:p>
+            <a:pPr algn="ctr"/>
+            <a:endParaRPr lang="zh-CN" altLang="en-US"/>
+          </a:p>
+        </p:txBody>
+      </p:sp>
+      <p:sp>
+        <p:nvSpPr>
+          <p:cNvPr id="22" name="文本框 21">
+            <a:extLst>
+              <a:ext uri="{FF2B5EF4-FFF2-40B4-BE49-F238E27FC236}">
+                <a16:creationId xmlns:a16="http://schemas.microsoft.com/office/drawing/2014/main" id="{3987E27E-7733-11E8-C9E8-4F640778B353}"/>
+              </a:ext>
+            </a:extLst>
+          </p:cNvPr>
+          <p:cNvSpPr txBox="1"/>
+          <p:nvPr/>
+        </p:nvSpPr>
+        <p:spPr>
+          <a:xfrm>
+            <a:off x="-4579" y="666580"/>
+            <a:ext cx="3429000" cy="461665"/>
+          </a:xfrm>
+          <a:prstGeom prst="rect">
+            <a:avLst/>
+          </a:prstGeom>
+          <a:noFill/>
+        </p:spPr>
+        <p:txBody>
+          <a:bodyPr wrap="square">
+            <a:spAutoFit/>
+          </a:bodyPr>
+          <a:lstStyle/>
+          <a:p>
+            <a:pPr algn="ctr"/>
+            <a:r>
+              <a:rPr lang="en-US" altLang="zh-CN" sz="2400" b="1" dirty="0">
+                <a:latin typeface="Times New Roman" panose="02020603050405020304" pitchFamily="18" charset="0"/>
+                <a:cs typeface="Times New Roman" panose="02020603050405020304" pitchFamily="18" charset="0"/>
+              </a:rPr>
+              <a:t>SSM Framework</a:t>
+            </a:r>
+            <a:endParaRPr lang="zh-CN" altLang="en-US" sz="2400" b="1" dirty="0">
+              <a:latin typeface="Times New Roman" panose="02020603050405020304" pitchFamily="18" charset="0"/>
+              <a:cs typeface="Times New Roman" panose="02020603050405020304" pitchFamily="18" charset="0"/>
+            </a:endParaRPr>
+          </a:p>
+        </p:txBody>
+      </p:sp>
+      <p:sp>
+        <p:nvSpPr>
+          <p:cNvPr id="23" name="文本框 22">
+            <a:extLst>
+              <a:ext uri="{FF2B5EF4-FFF2-40B4-BE49-F238E27FC236}">
+                <a16:creationId xmlns:a16="http://schemas.microsoft.com/office/drawing/2014/main" id="{61F12655-7111-E731-3B4B-7E2B3602E1F9}"/>
+              </a:ext>
+            </a:extLst>
+          </p:cNvPr>
+          <p:cNvSpPr txBox="1"/>
+          <p:nvPr/>
+        </p:nvSpPr>
+        <p:spPr>
+          <a:xfrm>
+            <a:off x="3645092" y="1290288"/>
+            <a:ext cx="1933575" cy="369332"/>
+          </a:xfrm>
+          <a:prstGeom prst="rect">
+            <a:avLst/>
+          </a:prstGeom>
+          <a:noFill/>
+        </p:spPr>
+        <p:txBody>
+          <a:bodyPr wrap="square">
+            <a:spAutoFit/>
+          </a:bodyPr>
+          <a:lstStyle/>
+          <a:p>
+            <a:pPr algn="ctr"/>
+            <a:r>
+              <a:rPr lang="en-US" altLang="zh-CN" b="1" dirty="0">
+                <a:solidFill>
+                  <a:srgbClr val="FF0000"/>
+                </a:solidFill>
+                <a:latin typeface="Times New Roman" panose="02020603050405020304" pitchFamily="18" charset="0"/>
+                <a:cs typeface="Times New Roman" panose="02020603050405020304" pitchFamily="18" charset="0"/>
+              </a:rPr>
+              <a:t>Spring</a:t>
+            </a:r>
+            <a:endParaRPr lang="zh-CN" altLang="en-US" b="1" dirty="0">
+              <a:solidFill>
+                <a:srgbClr val="FF0000"/>
+              </a:solidFill>
+              <a:latin typeface="Times New Roman" panose="02020603050405020304" pitchFamily="18" charset="0"/>
+              <a:cs typeface="Times New Roman" panose="02020603050405020304" pitchFamily="18" charset="0"/>
+            </a:endParaRPr>
+          </a:p>
+        </p:txBody>
+      </p:sp>
     </p:spTree>
     <p:extLst>
       <p:ext uri="{BB962C8B-B14F-4D97-AF65-F5344CB8AC3E}">
@@ -6688,54 +6923,706 @@
       </p:grpSpPr>
       <p:sp>
         <p:nvSpPr>
-          <p:cNvPr id="2" name="标题 1">
-            <a:extLst>
-              <a:ext uri="{FF2B5EF4-FFF2-40B4-BE49-F238E27FC236}">
-                <a16:creationId xmlns:a16="http://schemas.microsoft.com/office/drawing/2014/main" id="{D7EC48AC-6601-84D1-C41C-48C3189184F8}"/>
-              </a:ext>
-            </a:extLst>
-          </p:cNvPr>
-          <p:cNvSpPr>
-            <a:spLocks noGrp="1"/>
-          </p:cNvSpPr>
-          <p:nvPr>
-            <p:ph type="title"/>
-          </p:nvPr>
-        </p:nvSpPr>
-        <p:spPr/>
-        <p:txBody>
-          <a:bodyPr/>
-          <a:lstStyle/>
-          <a:p>
-            <a:endParaRPr lang="zh-CN" altLang="en-US"/>
-          </a:p>
-        </p:txBody>
-      </p:sp>
-      <p:sp>
-        <p:nvSpPr>
-          <p:cNvPr id="3" name="内容占位符 2">
-            <a:extLst>
-              <a:ext uri="{FF2B5EF4-FFF2-40B4-BE49-F238E27FC236}">
-                <a16:creationId xmlns:a16="http://schemas.microsoft.com/office/drawing/2014/main" id="{B9892573-5EC8-6BBF-EE1D-7106D1BF88F9}"/>
-              </a:ext>
-            </a:extLst>
-          </p:cNvPr>
-          <p:cNvSpPr>
-            <a:spLocks noGrp="1"/>
-          </p:cNvSpPr>
-          <p:nvPr>
-            <p:ph idx="1"/>
-          </p:nvPr>
-        </p:nvSpPr>
-        <p:spPr/>
-        <p:txBody>
-          <a:bodyPr/>
-          <a:lstStyle/>
-          <a:p>
-            <a:endParaRPr lang="zh-CN" altLang="en-US"/>
-          </a:p>
-        </p:txBody>
-      </p:sp>
+          <p:cNvPr id="4" name="矩形: 圆角 3">
+            <a:extLst>
+              <a:ext uri="{FF2B5EF4-FFF2-40B4-BE49-F238E27FC236}">
+                <a16:creationId xmlns:a16="http://schemas.microsoft.com/office/drawing/2014/main" id="{ED311BDB-C2EE-B5E6-9EBA-3B8C7B29D253}"/>
+              </a:ext>
+            </a:extLst>
+          </p:cNvPr>
+          <p:cNvSpPr/>
+          <p:nvPr/>
+        </p:nvSpPr>
+        <p:spPr>
+          <a:xfrm>
+            <a:off x="193016" y="2511505"/>
+            <a:ext cx="2420390" cy="499102"/>
+          </a:xfrm>
+          <a:prstGeom prst="roundRect">
+            <a:avLst/>
+          </a:prstGeom>
+          <a:solidFill>
+            <a:srgbClr val="E6F1F3"/>
+          </a:solidFill>
+          <a:ln>
+            <a:solidFill>
+              <a:schemeClr val="tx1"/>
+            </a:solidFill>
+          </a:ln>
+        </p:spPr>
+        <p:style>
+          <a:lnRef idx="2">
+            <a:schemeClr val="accent1">
+              <a:shade val="50000"/>
+            </a:schemeClr>
+          </a:lnRef>
+          <a:fillRef idx="1">
+            <a:schemeClr val="accent1"/>
+          </a:fillRef>
+          <a:effectRef idx="0">
+            <a:schemeClr val="accent1"/>
+          </a:effectRef>
+          <a:fontRef idx="minor">
+            <a:schemeClr val="lt1"/>
+          </a:fontRef>
+        </p:style>
+        <p:txBody>
+          <a:bodyPr rtlCol="0" anchor="ctr"/>
+          <a:lstStyle/>
+          <a:p>
+            <a:pPr algn="ctr"/>
+            <a:r>
+              <a:rPr lang="en-US" altLang="zh-CN" dirty="0">
+                <a:solidFill>
+                  <a:schemeClr val="tx1"/>
+                </a:solidFill>
+                <a:latin typeface="Times New Roman" panose="02020603050405020304" pitchFamily="18" charset="0"/>
+                <a:cs typeface="Times New Roman" panose="02020603050405020304" pitchFamily="18" charset="0"/>
+              </a:rPr>
+              <a:t>DAO</a:t>
+            </a:r>
+            <a:endParaRPr lang="zh-CN" altLang="en-US" dirty="0">
+              <a:solidFill>
+                <a:schemeClr val="tx1"/>
+              </a:solidFill>
+              <a:latin typeface="Times New Roman" panose="02020603050405020304" pitchFamily="18" charset="0"/>
+              <a:cs typeface="Times New Roman" panose="02020603050405020304" pitchFamily="18" charset="0"/>
+            </a:endParaRPr>
+          </a:p>
+        </p:txBody>
+      </p:sp>
+      <p:cxnSp>
+        <p:nvCxnSpPr>
+          <p:cNvPr id="5" name="直接箭头连接符 4">
+            <a:extLst>
+              <a:ext uri="{FF2B5EF4-FFF2-40B4-BE49-F238E27FC236}">
+                <a16:creationId xmlns:a16="http://schemas.microsoft.com/office/drawing/2014/main" id="{2A6525A2-1685-630A-FD3C-B4BE8BDAA542}"/>
+              </a:ext>
+            </a:extLst>
+          </p:cNvPr>
+          <p:cNvCxnSpPr>
+            <a:cxnSpLocks/>
+          </p:cNvCxnSpPr>
+          <p:nvPr/>
+        </p:nvCxnSpPr>
+        <p:spPr>
+          <a:xfrm flipV="1">
+            <a:off x="876499" y="2176706"/>
+            <a:ext cx="0" cy="334799"/>
+          </a:xfrm>
+          <a:prstGeom prst="straightConnector1">
+            <a:avLst/>
+          </a:prstGeom>
+          <a:ln w="25400">
+            <a:solidFill>
+              <a:schemeClr val="tx1"/>
+            </a:solidFill>
+            <a:tailEnd type="triangle"/>
+          </a:ln>
+        </p:spPr>
+        <p:style>
+          <a:lnRef idx="1">
+            <a:schemeClr val="accent1"/>
+          </a:lnRef>
+          <a:fillRef idx="0">
+            <a:schemeClr val="accent1"/>
+          </a:fillRef>
+          <a:effectRef idx="0">
+            <a:schemeClr val="accent1"/>
+          </a:effectRef>
+          <a:fontRef idx="minor">
+            <a:schemeClr val="tx1"/>
+          </a:fontRef>
+        </p:style>
+      </p:cxnSp>
+      <p:cxnSp>
+        <p:nvCxnSpPr>
+          <p:cNvPr id="6" name="直接箭头连接符 5">
+            <a:extLst>
+              <a:ext uri="{FF2B5EF4-FFF2-40B4-BE49-F238E27FC236}">
+                <a16:creationId xmlns:a16="http://schemas.microsoft.com/office/drawing/2014/main" id="{9CDB055F-9477-BE18-C665-4D44483793B2}"/>
+              </a:ext>
+            </a:extLst>
+          </p:cNvPr>
+          <p:cNvCxnSpPr>
+            <a:cxnSpLocks/>
+          </p:cNvCxnSpPr>
+          <p:nvPr/>
+        </p:nvCxnSpPr>
+        <p:spPr>
+          <a:xfrm>
+            <a:off x="1849993" y="2176706"/>
+            <a:ext cx="0" cy="334799"/>
+          </a:xfrm>
+          <a:prstGeom prst="straightConnector1">
+            <a:avLst/>
+          </a:prstGeom>
+          <a:ln w="25400">
+            <a:solidFill>
+              <a:schemeClr val="tx1"/>
+            </a:solidFill>
+            <a:tailEnd type="triangle"/>
+          </a:ln>
+        </p:spPr>
+        <p:style>
+          <a:lnRef idx="1">
+            <a:schemeClr val="accent1"/>
+          </a:lnRef>
+          <a:fillRef idx="0">
+            <a:schemeClr val="accent1"/>
+          </a:fillRef>
+          <a:effectRef idx="0">
+            <a:schemeClr val="accent1"/>
+          </a:effectRef>
+          <a:fontRef idx="minor">
+            <a:schemeClr val="tx1"/>
+          </a:fontRef>
+        </p:style>
+      </p:cxnSp>
+      <p:sp>
+        <p:nvSpPr>
+          <p:cNvPr id="7" name="矩形: 圆角 6">
+            <a:extLst>
+              <a:ext uri="{FF2B5EF4-FFF2-40B4-BE49-F238E27FC236}">
+                <a16:creationId xmlns:a16="http://schemas.microsoft.com/office/drawing/2014/main" id="{60D851B0-402C-BA73-5323-BBA37D5D8671}"/>
+              </a:ext>
+            </a:extLst>
+          </p:cNvPr>
+          <p:cNvSpPr/>
+          <p:nvPr/>
+        </p:nvSpPr>
+        <p:spPr>
+          <a:xfrm>
+            <a:off x="193016" y="1743850"/>
+            <a:ext cx="2420390" cy="432856"/>
+          </a:xfrm>
+          <a:prstGeom prst="roundRect">
+            <a:avLst/>
+          </a:prstGeom>
+          <a:solidFill>
+            <a:srgbClr val="E6F1F3"/>
+          </a:solidFill>
+          <a:ln>
+            <a:solidFill>
+              <a:schemeClr val="tx1"/>
+            </a:solidFill>
+          </a:ln>
+        </p:spPr>
+        <p:style>
+          <a:lnRef idx="2">
+            <a:schemeClr val="accent1">
+              <a:shade val="50000"/>
+            </a:schemeClr>
+          </a:lnRef>
+          <a:fillRef idx="1">
+            <a:schemeClr val="accent1"/>
+          </a:fillRef>
+          <a:effectRef idx="0">
+            <a:schemeClr val="accent1"/>
+          </a:effectRef>
+          <a:fontRef idx="minor">
+            <a:schemeClr val="lt1"/>
+          </a:fontRef>
+        </p:style>
+        <p:txBody>
+          <a:bodyPr rtlCol="0" anchor="ctr"/>
+          <a:lstStyle/>
+          <a:p>
+            <a:pPr algn="ctr"/>
+            <a:r>
+              <a:rPr lang="en-US" altLang="zh-CN" dirty="0">
+                <a:solidFill>
+                  <a:schemeClr val="tx1"/>
+                </a:solidFill>
+                <a:latin typeface="Times New Roman" panose="02020603050405020304" pitchFamily="18" charset="0"/>
+                <a:cs typeface="Times New Roman" panose="02020603050405020304" pitchFamily="18" charset="0"/>
+              </a:rPr>
+              <a:t>Controller</a:t>
+            </a:r>
+            <a:endParaRPr lang="zh-CN" altLang="en-US" dirty="0">
+              <a:solidFill>
+                <a:schemeClr val="tx1"/>
+              </a:solidFill>
+              <a:latin typeface="Times New Roman" panose="02020603050405020304" pitchFamily="18" charset="0"/>
+              <a:cs typeface="Times New Roman" panose="02020603050405020304" pitchFamily="18" charset="0"/>
+            </a:endParaRPr>
+          </a:p>
+        </p:txBody>
+      </p:sp>
+      <p:cxnSp>
+        <p:nvCxnSpPr>
+          <p:cNvPr id="8" name="直接箭头连接符 7">
+            <a:extLst>
+              <a:ext uri="{FF2B5EF4-FFF2-40B4-BE49-F238E27FC236}">
+                <a16:creationId xmlns:a16="http://schemas.microsoft.com/office/drawing/2014/main" id="{DE24F5D9-1BB1-B1FE-4D1E-51E427887DDD}"/>
+              </a:ext>
+            </a:extLst>
+          </p:cNvPr>
+          <p:cNvCxnSpPr>
+            <a:cxnSpLocks/>
+          </p:cNvCxnSpPr>
+          <p:nvPr/>
+        </p:nvCxnSpPr>
+        <p:spPr>
+          <a:xfrm flipV="1">
+            <a:off x="876499" y="1409051"/>
+            <a:ext cx="0" cy="334799"/>
+          </a:xfrm>
+          <a:prstGeom prst="straightConnector1">
+            <a:avLst/>
+          </a:prstGeom>
+          <a:ln w="25400">
+            <a:solidFill>
+              <a:schemeClr val="tx1"/>
+            </a:solidFill>
+            <a:tailEnd type="triangle"/>
+          </a:ln>
+        </p:spPr>
+        <p:style>
+          <a:lnRef idx="1">
+            <a:schemeClr val="accent1"/>
+          </a:lnRef>
+          <a:fillRef idx="0">
+            <a:schemeClr val="accent1"/>
+          </a:fillRef>
+          <a:effectRef idx="0">
+            <a:schemeClr val="accent1"/>
+          </a:effectRef>
+          <a:fontRef idx="minor">
+            <a:schemeClr val="tx1"/>
+          </a:fontRef>
+        </p:style>
+      </p:cxnSp>
+      <p:cxnSp>
+        <p:nvCxnSpPr>
+          <p:cNvPr id="9" name="直接箭头连接符 8">
+            <a:extLst>
+              <a:ext uri="{FF2B5EF4-FFF2-40B4-BE49-F238E27FC236}">
+                <a16:creationId xmlns:a16="http://schemas.microsoft.com/office/drawing/2014/main" id="{42C47204-545C-0CCA-C1B2-25AA1905A403}"/>
+              </a:ext>
+            </a:extLst>
+          </p:cNvPr>
+          <p:cNvCxnSpPr>
+            <a:cxnSpLocks/>
+          </p:cNvCxnSpPr>
+          <p:nvPr/>
+        </p:nvCxnSpPr>
+        <p:spPr>
+          <a:xfrm>
+            <a:off x="1849993" y="1409051"/>
+            <a:ext cx="0" cy="334799"/>
+          </a:xfrm>
+          <a:prstGeom prst="straightConnector1">
+            <a:avLst/>
+          </a:prstGeom>
+          <a:ln w="25400">
+            <a:solidFill>
+              <a:schemeClr val="tx1"/>
+            </a:solidFill>
+            <a:tailEnd type="triangle"/>
+          </a:ln>
+        </p:spPr>
+        <p:style>
+          <a:lnRef idx="1">
+            <a:schemeClr val="accent1"/>
+          </a:lnRef>
+          <a:fillRef idx="0">
+            <a:schemeClr val="accent1"/>
+          </a:fillRef>
+          <a:effectRef idx="0">
+            <a:schemeClr val="accent1"/>
+          </a:effectRef>
+          <a:fontRef idx="minor">
+            <a:schemeClr val="tx1"/>
+          </a:fontRef>
+        </p:style>
+      </p:cxnSp>
+      <p:sp>
+        <p:nvSpPr>
+          <p:cNvPr id="10" name="矩形: 圆角 9">
+            <a:extLst>
+              <a:ext uri="{FF2B5EF4-FFF2-40B4-BE49-F238E27FC236}">
+                <a16:creationId xmlns:a16="http://schemas.microsoft.com/office/drawing/2014/main" id="{1BE0AC72-05B3-DCD1-5756-84D2DF5A1A7B}"/>
+              </a:ext>
+            </a:extLst>
+          </p:cNvPr>
+          <p:cNvSpPr/>
+          <p:nvPr/>
+        </p:nvSpPr>
+        <p:spPr>
+          <a:xfrm>
+            <a:off x="193016" y="976195"/>
+            <a:ext cx="2420390" cy="432856"/>
+          </a:xfrm>
+          <a:prstGeom prst="roundRect">
+            <a:avLst/>
+          </a:prstGeom>
+          <a:solidFill>
+            <a:srgbClr val="E6F1F3"/>
+          </a:solidFill>
+          <a:ln>
+            <a:solidFill>
+              <a:schemeClr val="tx1"/>
+            </a:solidFill>
+          </a:ln>
+        </p:spPr>
+        <p:style>
+          <a:lnRef idx="2">
+            <a:schemeClr val="accent1">
+              <a:shade val="50000"/>
+            </a:schemeClr>
+          </a:lnRef>
+          <a:fillRef idx="1">
+            <a:schemeClr val="accent1"/>
+          </a:fillRef>
+          <a:effectRef idx="0">
+            <a:schemeClr val="accent1"/>
+          </a:effectRef>
+          <a:fontRef idx="minor">
+            <a:schemeClr val="lt1"/>
+          </a:fontRef>
+        </p:style>
+        <p:txBody>
+          <a:bodyPr rtlCol="0" anchor="ctr"/>
+          <a:lstStyle/>
+          <a:p>
+            <a:pPr algn="ctr"/>
+            <a:r>
+              <a:rPr lang="en-US" altLang="zh-CN" dirty="0">
+                <a:solidFill>
+                  <a:schemeClr val="tx1"/>
+                </a:solidFill>
+                <a:latin typeface="Times New Roman" panose="02020603050405020304" pitchFamily="18" charset="0"/>
+                <a:cs typeface="Times New Roman" panose="02020603050405020304" pitchFamily="18" charset="0"/>
+              </a:rPr>
+              <a:t>Browser</a:t>
+            </a:r>
+            <a:endParaRPr lang="zh-CN" altLang="en-US" dirty="0">
+              <a:solidFill>
+                <a:schemeClr val="tx1"/>
+              </a:solidFill>
+              <a:latin typeface="Times New Roman" panose="02020603050405020304" pitchFamily="18" charset="0"/>
+              <a:cs typeface="Times New Roman" panose="02020603050405020304" pitchFamily="18" charset="0"/>
+            </a:endParaRPr>
+          </a:p>
+        </p:txBody>
+      </p:sp>
+      <p:cxnSp>
+        <p:nvCxnSpPr>
+          <p:cNvPr id="11" name="直接箭头连接符 10">
+            <a:extLst>
+              <a:ext uri="{FF2B5EF4-FFF2-40B4-BE49-F238E27FC236}">
+                <a16:creationId xmlns:a16="http://schemas.microsoft.com/office/drawing/2014/main" id="{C5047A66-A498-EB60-7ADD-36CCFBAD2773}"/>
+              </a:ext>
+            </a:extLst>
+          </p:cNvPr>
+          <p:cNvCxnSpPr>
+            <a:cxnSpLocks/>
+          </p:cNvCxnSpPr>
+          <p:nvPr/>
+        </p:nvCxnSpPr>
+        <p:spPr>
+          <a:xfrm flipV="1">
+            <a:off x="876499" y="641396"/>
+            <a:ext cx="0" cy="334799"/>
+          </a:xfrm>
+          <a:prstGeom prst="straightConnector1">
+            <a:avLst/>
+          </a:prstGeom>
+          <a:ln w="25400">
+            <a:solidFill>
+              <a:schemeClr val="tx1"/>
+            </a:solidFill>
+            <a:tailEnd type="triangle"/>
+          </a:ln>
+        </p:spPr>
+        <p:style>
+          <a:lnRef idx="1">
+            <a:schemeClr val="accent1"/>
+          </a:lnRef>
+          <a:fillRef idx="0">
+            <a:schemeClr val="accent1"/>
+          </a:fillRef>
+          <a:effectRef idx="0">
+            <a:schemeClr val="accent1"/>
+          </a:effectRef>
+          <a:fontRef idx="minor">
+            <a:schemeClr val="tx1"/>
+          </a:fontRef>
+        </p:style>
+      </p:cxnSp>
+      <p:cxnSp>
+        <p:nvCxnSpPr>
+          <p:cNvPr id="12" name="直接箭头连接符 11">
+            <a:extLst>
+              <a:ext uri="{FF2B5EF4-FFF2-40B4-BE49-F238E27FC236}">
+                <a16:creationId xmlns:a16="http://schemas.microsoft.com/office/drawing/2014/main" id="{F96CA9EA-1E31-0B3E-B2A5-868D637B9542}"/>
+              </a:ext>
+            </a:extLst>
+          </p:cNvPr>
+          <p:cNvCxnSpPr>
+            <a:cxnSpLocks/>
+          </p:cNvCxnSpPr>
+          <p:nvPr/>
+        </p:nvCxnSpPr>
+        <p:spPr>
+          <a:xfrm>
+            <a:off x="1849993" y="641396"/>
+            <a:ext cx="0" cy="334799"/>
+          </a:xfrm>
+          <a:prstGeom prst="straightConnector1">
+            <a:avLst/>
+          </a:prstGeom>
+          <a:ln w="25400">
+            <a:solidFill>
+              <a:schemeClr val="tx1"/>
+            </a:solidFill>
+            <a:tailEnd type="triangle"/>
+          </a:ln>
+        </p:spPr>
+        <p:style>
+          <a:lnRef idx="1">
+            <a:schemeClr val="accent1"/>
+          </a:lnRef>
+          <a:fillRef idx="0">
+            <a:schemeClr val="accent1"/>
+          </a:fillRef>
+          <a:effectRef idx="0">
+            <a:schemeClr val="accent1"/>
+          </a:effectRef>
+          <a:fontRef idx="minor">
+            <a:schemeClr val="tx1"/>
+          </a:fontRef>
+        </p:style>
+      </p:cxnSp>
+      <p:sp>
+        <p:nvSpPr>
+          <p:cNvPr id="13" name="矩形: 圆角 12">
+            <a:extLst>
+              <a:ext uri="{FF2B5EF4-FFF2-40B4-BE49-F238E27FC236}">
+                <a16:creationId xmlns:a16="http://schemas.microsoft.com/office/drawing/2014/main" id="{13CB109E-6895-B67B-A467-A71D9C2C5D31}"/>
+              </a:ext>
+            </a:extLst>
+          </p:cNvPr>
+          <p:cNvSpPr/>
+          <p:nvPr/>
+        </p:nvSpPr>
+        <p:spPr>
+          <a:xfrm>
+            <a:off x="193016" y="208540"/>
+            <a:ext cx="2420390" cy="432856"/>
+          </a:xfrm>
+          <a:prstGeom prst="roundRect">
+            <a:avLst/>
+          </a:prstGeom>
+          <a:solidFill>
+            <a:srgbClr val="E6F1F3"/>
+          </a:solidFill>
+          <a:ln>
+            <a:solidFill>
+              <a:schemeClr val="tx1"/>
+            </a:solidFill>
+          </a:ln>
+        </p:spPr>
+        <p:style>
+          <a:lnRef idx="2">
+            <a:schemeClr val="accent1">
+              <a:shade val="50000"/>
+            </a:schemeClr>
+          </a:lnRef>
+          <a:fillRef idx="1">
+            <a:schemeClr val="accent1"/>
+          </a:fillRef>
+          <a:effectRef idx="0">
+            <a:schemeClr val="accent1"/>
+          </a:effectRef>
+          <a:fontRef idx="minor">
+            <a:schemeClr val="lt1"/>
+          </a:fontRef>
+        </p:style>
+        <p:txBody>
+          <a:bodyPr rtlCol="0" anchor="ctr"/>
+          <a:lstStyle/>
+          <a:p>
+            <a:pPr algn="ctr"/>
+            <a:r>
+              <a:rPr lang="en-US" altLang="zh-CN" dirty="0">
+                <a:solidFill>
+                  <a:schemeClr val="tx1"/>
+                </a:solidFill>
+                <a:latin typeface="Times New Roman" panose="02020603050405020304" pitchFamily="18" charset="0"/>
+                <a:cs typeface="Times New Roman" panose="02020603050405020304" pitchFamily="18" charset="0"/>
+              </a:rPr>
+              <a:t>Customer</a:t>
+            </a:r>
+            <a:endParaRPr lang="zh-CN" altLang="en-US" dirty="0">
+              <a:solidFill>
+                <a:schemeClr val="tx1"/>
+              </a:solidFill>
+              <a:latin typeface="Times New Roman" panose="02020603050405020304" pitchFamily="18" charset="0"/>
+              <a:cs typeface="Times New Roman" panose="02020603050405020304" pitchFamily="18" charset="0"/>
+            </a:endParaRPr>
+          </a:p>
+        </p:txBody>
+      </p:sp>
+      <p:sp>
+        <p:nvSpPr>
+          <p:cNvPr id="14" name="矩形: 圆角 13">
+            <a:extLst>
+              <a:ext uri="{FF2B5EF4-FFF2-40B4-BE49-F238E27FC236}">
+                <a16:creationId xmlns:a16="http://schemas.microsoft.com/office/drawing/2014/main" id="{3ACCEE5F-F041-48A4-E4F5-717043DCA99C}"/>
+              </a:ext>
+            </a:extLst>
+          </p:cNvPr>
+          <p:cNvSpPr/>
+          <p:nvPr/>
+        </p:nvSpPr>
+        <p:spPr>
+          <a:xfrm>
+            <a:off x="193016" y="3345406"/>
+            <a:ext cx="2420390" cy="499102"/>
+          </a:xfrm>
+          <a:prstGeom prst="roundRect">
+            <a:avLst/>
+          </a:prstGeom>
+          <a:solidFill>
+            <a:srgbClr val="E6F1F3"/>
+          </a:solidFill>
+          <a:ln>
+            <a:solidFill>
+              <a:schemeClr val="tx1"/>
+            </a:solidFill>
+          </a:ln>
+        </p:spPr>
+        <p:style>
+          <a:lnRef idx="2">
+            <a:schemeClr val="accent1">
+              <a:shade val="50000"/>
+            </a:schemeClr>
+          </a:lnRef>
+          <a:fillRef idx="1">
+            <a:schemeClr val="accent1"/>
+          </a:fillRef>
+          <a:effectRef idx="0">
+            <a:schemeClr val="accent1"/>
+          </a:effectRef>
+          <a:fontRef idx="minor">
+            <a:schemeClr val="lt1"/>
+          </a:fontRef>
+        </p:style>
+        <p:txBody>
+          <a:bodyPr rtlCol="0" anchor="ctr"/>
+          <a:lstStyle/>
+          <a:p>
+            <a:pPr algn="ctr"/>
+            <a:r>
+              <a:rPr lang="en-US" altLang="zh-CN" dirty="0">
+                <a:solidFill>
+                  <a:schemeClr val="tx1"/>
+                </a:solidFill>
+                <a:latin typeface="Times New Roman" panose="02020603050405020304" pitchFamily="18" charset="0"/>
+                <a:cs typeface="Times New Roman" panose="02020603050405020304" pitchFamily="18" charset="0"/>
+              </a:rPr>
+              <a:t>DATABASE</a:t>
+            </a:r>
+            <a:endParaRPr lang="zh-CN" altLang="en-US" dirty="0">
+              <a:solidFill>
+                <a:schemeClr val="tx1"/>
+              </a:solidFill>
+              <a:latin typeface="Times New Roman" panose="02020603050405020304" pitchFamily="18" charset="0"/>
+              <a:cs typeface="Times New Roman" panose="02020603050405020304" pitchFamily="18" charset="0"/>
+            </a:endParaRPr>
+          </a:p>
+        </p:txBody>
+      </p:sp>
+      <p:cxnSp>
+        <p:nvCxnSpPr>
+          <p:cNvPr id="15" name="直接箭头连接符 14">
+            <a:extLst>
+              <a:ext uri="{FF2B5EF4-FFF2-40B4-BE49-F238E27FC236}">
+                <a16:creationId xmlns:a16="http://schemas.microsoft.com/office/drawing/2014/main" id="{E57CC8AD-9610-BF27-5475-8ED30F550F93}"/>
+              </a:ext>
+            </a:extLst>
+          </p:cNvPr>
+          <p:cNvCxnSpPr>
+            <a:cxnSpLocks/>
+          </p:cNvCxnSpPr>
+          <p:nvPr/>
+        </p:nvCxnSpPr>
+        <p:spPr>
+          <a:xfrm flipV="1">
+            <a:off x="876499" y="3010607"/>
+            <a:ext cx="0" cy="334799"/>
+          </a:xfrm>
+          <a:prstGeom prst="straightConnector1">
+            <a:avLst/>
+          </a:prstGeom>
+          <a:ln w="25400">
+            <a:solidFill>
+              <a:schemeClr val="tx1"/>
+            </a:solidFill>
+            <a:tailEnd type="triangle"/>
+          </a:ln>
+        </p:spPr>
+        <p:style>
+          <a:lnRef idx="1">
+            <a:schemeClr val="accent1"/>
+          </a:lnRef>
+          <a:fillRef idx="0">
+            <a:schemeClr val="accent1"/>
+          </a:fillRef>
+          <a:effectRef idx="0">
+            <a:schemeClr val="accent1"/>
+          </a:effectRef>
+          <a:fontRef idx="minor">
+            <a:schemeClr val="tx1"/>
+          </a:fontRef>
+        </p:style>
+      </p:cxnSp>
+      <p:cxnSp>
+        <p:nvCxnSpPr>
+          <p:cNvPr id="16" name="直接箭头连接符 15">
+            <a:extLst>
+              <a:ext uri="{FF2B5EF4-FFF2-40B4-BE49-F238E27FC236}">
+                <a16:creationId xmlns:a16="http://schemas.microsoft.com/office/drawing/2014/main" id="{BD78C81C-B46A-41E3-6B21-CBCBF0469F4C}"/>
+              </a:ext>
+            </a:extLst>
+          </p:cNvPr>
+          <p:cNvCxnSpPr>
+            <a:cxnSpLocks/>
+          </p:cNvCxnSpPr>
+          <p:nvPr/>
+        </p:nvCxnSpPr>
+        <p:spPr>
+          <a:xfrm>
+            <a:off x="1849993" y="3010607"/>
+            <a:ext cx="0" cy="334799"/>
+          </a:xfrm>
+          <a:prstGeom prst="straightConnector1">
+            <a:avLst/>
+          </a:prstGeom>
+          <a:ln w="25400">
+            <a:solidFill>
+              <a:schemeClr val="tx1"/>
+            </a:solidFill>
+            <a:tailEnd type="triangle"/>
+          </a:ln>
+        </p:spPr>
+        <p:style>
+          <a:lnRef idx="1">
+            <a:schemeClr val="accent1"/>
+          </a:lnRef>
+          <a:fillRef idx="0">
+            <a:schemeClr val="accent1"/>
+          </a:fillRef>
+          <a:effectRef idx="0">
+            <a:schemeClr val="accent1"/>
+          </a:effectRef>
+          <a:fontRef idx="minor">
+            <a:schemeClr val="tx1"/>
+          </a:fontRef>
+        </p:style>
+      </p:cxnSp>
     </p:spTree>
     <p:extLst>
       <p:ext uri="{BB962C8B-B14F-4D97-AF65-F5344CB8AC3E}">
@@ -6766,12 +7653,2987 @@
           <a:chExt cx="0" cy="0"/>
         </a:xfrm>
       </p:grpSpPr>
+      <p:pic>
+        <p:nvPicPr>
+          <p:cNvPr id="4" name="图形 3">
+            <a:extLst>
+              <a:ext uri="{FF2B5EF4-FFF2-40B4-BE49-F238E27FC236}">
+                <a16:creationId xmlns:a16="http://schemas.microsoft.com/office/drawing/2014/main" id="{5164C86B-AA31-A2CF-8657-08CC55A964D3}"/>
+              </a:ext>
+            </a:extLst>
+          </p:cNvPr>
+          <p:cNvPicPr>
+            <a:picLocks noChangeAspect="1"/>
+          </p:cNvPicPr>
+          <p:nvPr/>
+        </p:nvPicPr>
+        <p:blipFill>
+          <a:blip r:embed="rId2">
+            <a:extLst>
+              <a:ext uri="{28A0092B-C50C-407E-A947-70E740481C1C}">
+                <a14:useLocalDpi xmlns:a14="http://schemas.microsoft.com/office/drawing/2010/main" val="0"/>
+              </a:ext>
+              <a:ext uri="{96DAC541-7B7A-43D3-8B79-37D633B846F1}">
+                <asvg:svgBlip xmlns:asvg="http://schemas.microsoft.com/office/drawing/2016/SVG/main" r:embed="rId3"/>
+              </a:ext>
+            </a:extLst>
+          </a:blip>
+          <a:stretch>
+            <a:fillRect/>
+          </a:stretch>
+        </p:blipFill>
+        <p:spPr>
+          <a:xfrm>
+            <a:off x="1304925" y="2381250"/>
+            <a:ext cx="1143000" cy="1143000"/>
+          </a:xfrm>
+          <a:prstGeom prst="rect">
+            <a:avLst/>
+          </a:prstGeom>
+        </p:spPr>
+      </p:pic>
+      <p:sp>
+        <p:nvSpPr>
+          <p:cNvPr id="5" name="矩形: 圆角 4">
+            <a:extLst>
+              <a:ext uri="{FF2B5EF4-FFF2-40B4-BE49-F238E27FC236}">
+                <a16:creationId xmlns:a16="http://schemas.microsoft.com/office/drawing/2014/main" id="{1AD4977D-F5C6-A202-6023-8D25910918A3}"/>
+              </a:ext>
+            </a:extLst>
+          </p:cNvPr>
+          <p:cNvSpPr/>
+          <p:nvPr/>
+        </p:nvSpPr>
+        <p:spPr>
+          <a:xfrm>
+            <a:off x="3376036" y="1432430"/>
+            <a:ext cx="2420390" cy="432856"/>
+          </a:xfrm>
+          <a:prstGeom prst="roundRect">
+            <a:avLst/>
+          </a:prstGeom>
+          <a:solidFill>
+            <a:srgbClr val="E6F1F3"/>
+          </a:solidFill>
+          <a:ln>
+            <a:solidFill>
+              <a:schemeClr val="tx1"/>
+            </a:solidFill>
+          </a:ln>
+        </p:spPr>
+        <p:style>
+          <a:lnRef idx="2">
+            <a:schemeClr val="accent1">
+              <a:shade val="50000"/>
+            </a:schemeClr>
+          </a:lnRef>
+          <a:fillRef idx="1">
+            <a:schemeClr val="accent1"/>
+          </a:fillRef>
+          <a:effectRef idx="0">
+            <a:schemeClr val="accent1"/>
+          </a:effectRef>
+          <a:fontRef idx="minor">
+            <a:schemeClr val="lt1"/>
+          </a:fontRef>
+        </p:style>
+        <p:txBody>
+          <a:bodyPr rtlCol="0" anchor="ctr"/>
+          <a:lstStyle/>
+          <a:p>
+            <a:pPr algn="ctr"/>
+            <a:r>
+              <a:rPr lang="zh-CN" altLang="en-US" dirty="0">
+                <a:solidFill>
+                  <a:schemeClr val="tx1"/>
+                </a:solidFill>
+                <a:latin typeface="Times New Roman" panose="02020603050405020304" pitchFamily="18" charset="0"/>
+                <a:cs typeface="Times New Roman" panose="02020603050405020304" pitchFamily="18" charset="0"/>
+              </a:rPr>
+              <a:t>菜单管理</a:t>
+            </a:r>
+          </a:p>
+        </p:txBody>
+      </p:sp>
+      <p:sp>
+        <p:nvSpPr>
+          <p:cNvPr id="8" name="右大括号 7">
+            <a:extLst>
+              <a:ext uri="{FF2B5EF4-FFF2-40B4-BE49-F238E27FC236}">
+                <a16:creationId xmlns:a16="http://schemas.microsoft.com/office/drawing/2014/main" id="{B85DA5D2-CB29-B70D-F85E-FC7329A509B8}"/>
+              </a:ext>
+            </a:extLst>
+          </p:cNvPr>
+          <p:cNvSpPr/>
+          <p:nvPr/>
+        </p:nvSpPr>
+        <p:spPr>
+          <a:xfrm rot="10800000">
+            <a:off x="2866056" y="334309"/>
+            <a:ext cx="386498" cy="5997197"/>
+          </a:xfrm>
+          <a:prstGeom prst="rightBrace">
+            <a:avLst/>
+          </a:prstGeom>
+          <a:ln w="15875">
+            <a:solidFill>
+              <a:schemeClr val="tx1"/>
+            </a:solidFill>
+          </a:ln>
+        </p:spPr>
+        <p:style>
+          <a:lnRef idx="1">
+            <a:schemeClr val="accent1"/>
+          </a:lnRef>
+          <a:fillRef idx="0">
+            <a:schemeClr val="accent1"/>
+          </a:fillRef>
+          <a:effectRef idx="0">
+            <a:schemeClr val="accent1"/>
+          </a:effectRef>
+          <a:fontRef idx="minor">
+            <a:schemeClr val="tx1"/>
+          </a:fontRef>
+        </p:style>
+        <p:txBody>
+          <a:bodyPr rtlCol="0" anchor="ctr"/>
+          <a:lstStyle/>
+          <a:p>
+            <a:pPr algn="ctr"/>
+            <a:endParaRPr lang="zh-CN" altLang="en-US"/>
+          </a:p>
+        </p:txBody>
+      </p:sp>
+      <p:sp>
+        <p:nvSpPr>
+          <p:cNvPr id="9" name="矩形: 圆角 8">
+            <a:extLst>
+              <a:ext uri="{FF2B5EF4-FFF2-40B4-BE49-F238E27FC236}">
+                <a16:creationId xmlns:a16="http://schemas.microsoft.com/office/drawing/2014/main" id="{9A69681F-62B1-2A9F-A30A-F821ED1E2C3B}"/>
+              </a:ext>
+            </a:extLst>
+          </p:cNvPr>
+          <p:cNvSpPr/>
+          <p:nvPr/>
+        </p:nvSpPr>
+        <p:spPr>
+          <a:xfrm>
+            <a:off x="3376036" y="2307803"/>
+            <a:ext cx="2420390" cy="432856"/>
+          </a:xfrm>
+          <a:prstGeom prst="roundRect">
+            <a:avLst/>
+          </a:prstGeom>
+          <a:solidFill>
+            <a:srgbClr val="E6F1F3"/>
+          </a:solidFill>
+          <a:ln>
+            <a:solidFill>
+              <a:schemeClr val="tx1"/>
+            </a:solidFill>
+          </a:ln>
+        </p:spPr>
+        <p:style>
+          <a:lnRef idx="2">
+            <a:schemeClr val="accent1">
+              <a:shade val="50000"/>
+            </a:schemeClr>
+          </a:lnRef>
+          <a:fillRef idx="1">
+            <a:schemeClr val="accent1"/>
+          </a:fillRef>
+          <a:effectRef idx="0">
+            <a:schemeClr val="accent1"/>
+          </a:effectRef>
+          <a:fontRef idx="minor">
+            <a:schemeClr val="lt1"/>
+          </a:fontRef>
+        </p:style>
+        <p:txBody>
+          <a:bodyPr rtlCol="0" anchor="ctr"/>
+          <a:lstStyle/>
+          <a:p>
+            <a:pPr algn="ctr"/>
+            <a:r>
+              <a:rPr lang="zh-CN" altLang="en-US" dirty="0">
+                <a:solidFill>
+                  <a:schemeClr val="tx1"/>
+                </a:solidFill>
+                <a:latin typeface="Times New Roman" panose="02020603050405020304" pitchFamily="18" charset="0"/>
+                <a:cs typeface="Times New Roman" panose="02020603050405020304" pitchFamily="18" charset="0"/>
+              </a:rPr>
+              <a:t>菜品类别管理</a:t>
+            </a:r>
+          </a:p>
+        </p:txBody>
+      </p:sp>
+      <p:sp>
+        <p:nvSpPr>
+          <p:cNvPr id="10" name="矩形: 圆角 9">
+            <a:extLst>
+              <a:ext uri="{FF2B5EF4-FFF2-40B4-BE49-F238E27FC236}">
+                <a16:creationId xmlns:a16="http://schemas.microsoft.com/office/drawing/2014/main" id="{948F2407-79D7-D51E-FA96-BEABBDE7BE8F}"/>
+              </a:ext>
+            </a:extLst>
+          </p:cNvPr>
+          <p:cNvSpPr/>
+          <p:nvPr/>
+        </p:nvSpPr>
+        <p:spPr>
+          <a:xfrm>
+            <a:off x="3376036" y="3183997"/>
+            <a:ext cx="2420390" cy="432856"/>
+          </a:xfrm>
+          <a:prstGeom prst="roundRect">
+            <a:avLst/>
+          </a:prstGeom>
+          <a:solidFill>
+            <a:srgbClr val="E6F1F3"/>
+          </a:solidFill>
+          <a:ln>
+            <a:solidFill>
+              <a:schemeClr val="tx1"/>
+            </a:solidFill>
+          </a:ln>
+        </p:spPr>
+        <p:style>
+          <a:lnRef idx="2">
+            <a:schemeClr val="accent1">
+              <a:shade val="50000"/>
+            </a:schemeClr>
+          </a:lnRef>
+          <a:fillRef idx="1">
+            <a:schemeClr val="accent1"/>
+          </a:fillRef>
+          <a:effectRef idx="0">
+            <a:schemeClr val="accent1"/>
+          </a:effectRef>
+          <a:fontRef idx="minor">
+            <a:schemeClr val="lt1"/>
+          </a:fontRef>
+        </p:style>
+        <p:txBody>
+          <a:bodyPr rtlCol="0" anchor="ctr"/>
+          <a:lstStyle/>
+          <a:p>
+            <a:pPr algn="ctr"/>
+            <a:r>
+              <a:rPr lang="zh-CN" altLang="en-US" dirty="0">
+                <a:solidFill>
+                  <a:schemeClr val="tx1"/>
+                </a:solidFill>
+                <a:latin typeface="Times New Roman" panose="02020603050405020304" pitchFamily="18" charset="0"/>
+                <a:cs typeface="Times New Roman" panose="02020603050405020304" pitchFamily="18" charset="0"/>
+              </a:rPr>
+              <a:t>公告信息管理</a:t>
+            </a:r>
+          </a:p>
+        </p:txBody>
+      </p:sp>
+      <p:sp>
+        <p:nvSpPr>
+          <p:cNvPr id="11" name="矩形: 圆角 10">
+            <a:extLst>
+              <a:ext uri="{FF2B5EF4-FFF2-40B4-BE49-F238E27FC236}">
+                <a16:creationId xmlns:a16="http://schemas.microsoft.com/office/drawing/2014/main" id="{D955F099-0850-C497-F66B-B3ED48093DBD}"/>
+              </a:ext>
+            </a:extLst>
+          </p:cNvPr>
+          <p:cNvSpPr/>
+          <p:nvPr/>
+        </p:nvSpPr>
+        <p:spPr>
+          <a:xfrm>
+            <a:off x="3373754" y="4166571"/>
+            <a:ext cx="2420390" cy="432856"/>
+          </a:xfrm>
+          <a:prstGeom prst="roundRect">
+            <a:avLst/>
+          </a:prstGeom>
+          <a:solidFill>
+            <a:srgbClr val="E6F1F3"/>
+          </a:solidFill>
+          <a:ln>
+            <a:solidFill>
+              <a:schemeClr val="tx1"/>
+            </a:solidFill>
+          </a:ln>
+        </p:spPr>
+        <p:style>
+          <a:lnRef idx="2">
+            <a:schemeClr val="accent1">
+              <a:shade val="50000"/>
+            </a:schemeClr>
+          </a:lnRef>
+          <a:fillRef idx="1">
+            <a:schemeClr val="accent1"/>
+          </a:fillRef>
+          <a:effectRef idx="0">
+            <a:schemeClr val="accent1"/>
+          </a:effectRef>
+          <a:fontRef idx="minor">
+            <a:schemeClr val="lt1"/>
+          </a:fontRef>
+        </p:style>
+        <p:txBody>
+          <a:bodyPr rtlCol="0" anchor="ctr"/>
+          <a:lstStyle/>
+          <a:p>
+            <a:pPr algn="ctr"/>
+            <a:r>
+              <a:rPr lang="zh-CN" altLang="en-US" dirty="0">
+                <a:solidFill>
+                  <a:schemeClr val="tx1"/>
+                </a:solidFill>
+                <a:latin typeface="Times New Roman" panose="02020603050405020304" pitchFamily="18" charset="0"/>
+                <a:cs typeface="Times New Roman" panose="02020603050405020304" pitchFamily="18" charset="0"/>
+              </a:rPr>
+              <a:t>销售订单管理</a:t>
+            </a:r>
+          </a:p>
+        </p:txBody>
+      </p:sp>
+      <p:sp>
+        <p:nvSpPr>
+          <p:cNvPr id="12" name="矩形: 圆角 11">
+            <a:extLst>
+              <a:ext uri="{FF2B5EF4-FFF2-40B4-BE49-F238E27FC236}">
+                <a16:creationId xmlns:a16="http://schemas.microsoft.com/office/drawing/2014/main" id="{1841CADF-A8F4-8967-0085-F35F3E2B4E16}"/>
+              </a:ext>
+            </a:extLst>
+          </p:cNvPr>
+          <p:cNvSpPr/>
+          <p:nvPr/>
+        </p:nvSpPr>
+        <p:spPr>
+          <a:xfrm>
+            <a:off x="3374894" y="5007533"/>
+            <a:ext cx="2420390" cy="432856"/>
+          </a:xfrm>
+          <a:prstGeom prst="roundRect">
+            <a:avLst/>
+          </a:prstGeom>
+          <a:solidFill>
+            <a:srgbClr val="E6F1F3"/>
+          </a:solidFill>
+          <a:ln>
+            <a:solidFill>
+              <a:schemeClr val="tx1"/>
+            </a:solidFill>
+          </a:ln>
+        </p:spPr>
+        <p:style>
+          <a:lnRef idx="2">
+            <a:schemeClr val="accent1">
+              <a:shade val="50000"/>
+            </a:schemeClr>
+          </a:lnRef>
+          <a:fillRef idx="1">
+            <a:schemeClr val="accent1"/>
+          </a:fillRef>
+          <a:effectRef idx="0">
+            <a:schemeClr val="accent1"/>
+          </a:effectRef>
+          <a:fontRef idx="minor">
+            <a:schemeClr val="lt1"/>
+          </a:fontRef>
+        </p:style>
+        <p:txBody>
+          <a:bodyPr rtlCol="0" anchor="ctr"/>
+          <a:lstStyle/>
+          <a:p>
+            <a:pPr algn="ctr"/>
+            <a:r>
+              <a:rPr lang="zh-CN" altLang="en-US" dirty="0">
+                <a:solidFill>
+                  <a:schemeClr val="tx1"/>
+                </a:solidFill>
+                <a:latin typeface="Times New Roman" panose="02020603050405020304" pitchFamily="18" charset="0"/>
+                <a:cs typeface="Times New Roman" panose="02020603050405020304" pitchFamily="18" charset="0"/>
+              </a:rPr>
+              <a:t>系统用户管理</a:t>
+            </a:r>
+          </a:p>
+        </p:txBody>
+      </p:sp>
+      <p:sp>
+        <p:nvSpPr>
+          <p:cNvPr id="13" name="矩形: 圆角 12">
+            <a:extLst>
+              <a:ext uri="{FF2B5EF4-FFF2-40B4-BE49-F238E27FC236}">
+                <a16:creationId xmlns:a16="http://schemas.microsoft.com/office/drawing/2014/main" id="{15D06ED0-5E55-6E63-4317-2234DA8F1C9D}"/>
+              </a:ext>
+            </a:extLst>
+          </p:cNvPr>
+          <p:cNvSpPr/>
+          <p:nvPr/>
+        </p:nvSpPr>
+        <p:spPr>
+          <a:xfrm>
+            <a:off x="3374894" y="5795461"/>
+            <a:ext cx="2420390" cy="432856"/>
+          </a:xfrm>
+          <a:prstGeom prst="roundRect">
+            <a:avLst/>
+          </a:prstGeom>
+          <a:solidFill>
+            <a:srgbClr val="E6F1F3"/>
+          </a:solidFill>
+          <a:ln>
+            <a:solidFill>
+              <a:schemeClr val="tx1"/>
+            </a:solidFill>
+          </a:ln>
+        </p:spPr>
+        <p:style>
+          <a:lnRef idx="2">
+            <a:schemeClr val="accent1">
+              <a:shade val="50000"/>
+            </a:schemeClr>
+          </a:lnRef>
+          <a:fillRef idx="1">
+            <a:schemeClr val="accent1"/>
+          </a:fillRef>
+          <a:effectRef idx="0">
+            <a:schemeClr val="accent1"/>
+          </a:effectRef>
+          <a:fontRef idx="minor">
+            <a:schemeClr val="lt1"/>
+          </a:fontRef>
+        </p:style>
+        <p:txBody>
+          <a:bodyPr rtlCol="0" anchor="ctr"/>
+          <a:lstStyle/>
+          <a:p>
+            <a:pPr algn="ctr"/>
+            <a:r>
+              <a:rPr lang="zh-CN" altLang="en-US" dirty="0">
+                <a:solidFill>
+                  <a:schemeClr val="tx1"/>
+                </a:solidFill>
+                <a:latin typeface="Times New Roman" panose="02020603050405020304" pitchFamily="18" charset="0"/>
+                <a:cs typeface="Times New Roman" panose="02020603050405020304" pitchFamily="18" charset="0"/>
+              </a:rPr>
+              <a:t>注销登录</a:t>
+            </a:r>
+          </a:p>
+        </p:txBody>
+      </p:sp>
+      <p:sp>
+        <p:nvSpPr>
+          <p:cNvPr id="14" name="矩形: 圆角 13">
+            <a:extLst>
+              <a:ext uri="{FF2B5EF4-FFF2-40B4-BE49-F238E27FC236}">
+                <a16:creationId xmlns:a16="http://schemas.microsoft.com/office/drawing/2014/main" id="{B8910C50-3B31-BED4-A2D9-2EEFAF405779}"/>
+              </a:ext>
+            </a:extLst>
+          </p:cNvPr>
+          <p:cNvSpPr/>
+          <p:nvPr/>
+        </p:nvSpPr>
+        <p:spPr>
+          <a:xfrm>
+            <a:off x="3376036" y="629683"/>
+            <a:ext cx="2420390" cy="432856"/>
+          </a:xfrm>
+          <a:prstGeom prst="roundRect">
+            <a:avLst/>
+          </a:prstGeom>
+          <a:solidFill>
+            <a:srgbClr val="E6F1F3"/>
+          </a:solidFill>
+          <a:ln>
+            <a:solidFill>
+              <a:schemeClr val="tx1"/>
+            </a:solidFill>
+          </a:ln>
+        </p:spPr>
+        <p:style>
+          <a:lnRef idx="2">
+            <a:schemeClr val="accent1">
+              <a:shade val="50000"/>
+            </a:schemeClr>
+          </a:lnRef>
+          <a:fillRef idx="1">
+            <a:schemeClr val="accent1"/>
+          </a:fillRef>
+          <a:effectRef idx="0">
+            <a:schemeClr val="accent1"/>
+          </a:effectRef>
+          <a:fontRef idx="minor">
+            <a:schemeClr val="lt1"/>
+          </a:fontRef>
+        </p:style>
+        <p:txBody>
+          <a:bodyPr rtlCol="0" anchor="ctr"/>
+          <a:lstStyle/>
+          <a:p>
+            <a:pPr algn="ctr"/>
+            <a:r>
+              <a:rPr lang="zh-CN" altLang="en-US" dirty="0">
+                <a:solidFill>
+                  <a:schemeClr val="tx1"/>
+                </a:solidFill>
+                <a:latin typeface="Times New Roman" panose="02020603050405020304" pitchFamily="18" charset="0"/>
+                <a:cs typeface="Times New Roman" panose="02020603050405020304" pitchFamily="18" charset="0"/>
+              </a:rPr>
+              <a:t>登录</a:t>
+            </a:r>
+          </a:p>
+        </p:txBody>
+      </p:sp>
+      <p:sp>
+        <p:nvSpPr>
+          <p:cNvPr id="15" name="右大括号 14">
+            <a:extLst>
+              <a:ext uri="{FF2B5EF4-FFF2-40B4-BE49-F238E27FC236}">
+                <a16:creationId xmlns:a16="http://schemas.microsoft.com/office/drawing/2014/main" id="{B5B9A3EA-B912-F05F-68EA-B1CA629606DC}"/>
+              </a:ext>
+            </a:extLst>
+          </p:cNvPr>
+          <p:cNvSpPr/>
+          <p:nvPr/>
+        </p:nvSpPr>
+        <p:spPr>
+          <a:xfrm rot="10800000">
+            <a:off x="5917626" y="1325698"/>
+            <a:ext cx="356746" cy="563932"/>
+          </a:xfrm>
+          <a:prstGeom prst="rightBrace">
+            <a:avLst/>
+          </a:prstGeom>
+          <a:ln w="15875">
+            <a:solidFill>
+              <a:schemeClr val="tx1"/>
+            </a:solidFill>
+          </a:ln>
+        </p:spPr>
+        <p:style>
+          <a:lnRef idx="1">
+            <a:schemeClr val="accent1"/>
+          </a:lnRef>
+          <a:fillRef idx="0">
+            <a:schemeClr val="accent1"/>
+          </a:fillRef>
+          <a:effectRef idx="0">
+            <a:schemeClr val="accent1"/>
+          </a:effectRef>
+          <a:fontRef idx="minor">
+            <a:schemeClr val="tx1"/>
+          </a:fontRef>
+        </p:style>
+        <p:txBody>
+          <a:bodyPr rtlCol="0" anchor="ctr"/>
+          <a:lstStyle/>
+          <a:p>
+            <a:pPr algn="ctr"/>
+            <a:endParaRPr lang="zh-CN" altLang="en-US"/>
+          </a:p>
+        </p:txBody>
+      </p:sp>
+      <p:sp>
+        <p:nvSpPr>
+          <p:cNvPr id="16" name="矩形: 圆角 15">
+            <a:extLst>
+              <a:ext uri="{FF2B5EF4-FFF2-40B4-BE49-F238E27FC236}">
+                <a16:creationId xmlns:a16="http://schemas.microsoft.com/office/drawing/2014/main" id="{F6D6663B-E819-F579-FB62-C1B1D8AC025E}"/>
+              </a:ext>
+            </a:extLst>
+          </p:cNvPr>
+          <p:cNvSpPr/>
+          <p:nvPr/>
+        </p:nvSpPr>
+        <p:spPr>
+          <a:xfrm>
+            <a:off x="6395572" y="1293003"/>
+            <a:ext cx="2234077" cy="278854"/>
+          </a:xfrm>
+          <a:prstGeom prst="roundRect">
+            <a:avLst/>
+          </a:prstGeom>
+          <a:solidFill>
+            <a:srgbClr val="E6F1F3"/>
+          </a:solidFill>
+          <a:ln>
+            <a:solidFill>
+              <a:schemeClr val="tx1"/>
+            </a:solidFill>
+          </a:ln>
+        </p:spPr>
+        <p:style>
+          <a:lnRef idx="2">
+            <a:schemeClr val="accent1">
+              <a:shade val="50000"/>
+            </a:schemeClr>
+          </a:lnRef>
+          <a:fillRef idx="1">
+            <a:schemeClr val="accent1"/>
+          </a:fillRef>
+          <a:effectRef idx="0">
+            <a:schemeClr val="accent1"/>
+          </a:effectRef>
+          <a:fontRef idx="minor">
+            <a:schemeClr val="lt1"/>
+          </a:fontRef>
+        </p:style>
+        <p:txBody>
+          <a:bodyPr rtlCol="0" anchor="ctr"/>
+          <a:lstStyle/>
+          <a:p>
+            <a:pPr algn="ctr"/>
+            <a:r>
+              <a:rPr lang="zh-CN" altLang="en-US" sz="1600" dirty="0">
+                <a:solidFill>
+                  <a:schemeClr val="tx1"/>
+                </a:solidFill>
+                <a:latin typeface="Times New Roman" panose="02020603050405020304" pitchFamily="18" charset="0"/>
+                <a:cs typeface="Times New Roman" panose="02020603050405020304" pitchFamily="18" charset="0"/>
+              </a:rPr>
+              <a:t>添加新菜单</a:t>
+            </a:r>
+          </a:p>
+        </p:txBody>
+      </p:sp>
+      <p:sp>
+        <p:nvSpPr>
+          <p:cNvPr id="17" name="矩形: 圆角 16">
+            <a:extLst>
+              <a:ext uri="{FF2B5EF4-FFF2-40B4-BE49-F238E27FC236}">
+                <a16:creationId xmlns:a16="http://schemas.microsoft.com/office/drawing/2014/main" id="{CE8BAEB8-AF63-55B3-2E1B-13E029839677}"/>
+              </a:ext>
+            </a:extLst>
+          </p:cNvPr>
+          <p:cNvSpPr/>
+          <p:nvPr/>
+        </p:nvSpPr>
+        <p:spPr>
+          <a:xfrm>
+            <a:off x="6395573" y="1673771"/>
+            <a:ext cx="2234077" cy="278854"/>
+          </a:xfrm>
+          <a:prstGeom prst="roundRect">
+            <a:avLst/>
+          </a:prstGeom>
+          <a:solidFill>
+            <a:srgbClr val="E6F1F3"/>
+          </a:solidFill>
+          <a:ln>
+            <a:solidFill>
+              <a:schemeClr val="tx1"/>
+            </a:solidFill>
+          </a:ln>
+        </p:spPr>
+        <p:style>
+          <a:lnRef idx="2">
+            <a:schemeClr val="accent1">
+              <a:shade val="50000"/>
+            </a:schemeClr>
+          </a:lnRef>
+          <a:fillRef idx="1">
+            <a:schemeClr val="accent1"/>
+          </a:fillRef>
+          <a:effectRef idx="0">
+            <a:schemeClr val="accent1"/>
+          </a:effectRef>
+          <a:fontRef idx="minor">
+            <a:schemeClr val="lt1"/>
+          </a:fontRef>
+        </p:style>
+        <p:txBody>
+          <a:bodyPr rtlCol="0" anchor="ctr"/>
+          <a:lstStyle/>
+          <a:p>
+            <a:pPr algn="ctr"/>
+            <a:r>
+              <a:rPr lang="zh-CN" altLang="en-US" sz="1600" dirty="0">
+                <a:solidFill>
+                  <a:schemeClr val="tx1"/>
+                </a:solidFill>
+                <a:latin typeface="Times New Roman" panose="02020603050405020304" pitchFamily="18" charset="0"/>
+                <a:cs typeface="Times New Roman" panose="02020603050405020304" pitchFamily="18" charset="0"/>
+              </a:rPr>
+              <a:t>菜单信息列表</a:t>
+            </a:r>
+          </a:p>
+        </p:txBody>
+      </p:sp>
+      <p:sp>
+        <p:nvSpPr>
+          <p:cNvPr id="18" name="右大括号 17">
+            <a:extLst>
+              <a:ext uri="{FF2B5EF4-FFF2-40B4-BE49-F238E27FC236}">
+                <a16:creationId xmlns:a16="http://schemas.microsoft.com/office/drawing/2014/main" id="{20D8ED3F-7957-3479-FC97-5870A83F501B}"/>
+              </a:ext>
+            </a:extLst>
+          </p:cNvPr>
+          <p:cNvSpPr/>
+          <p:nvPr/>
+        </p:nvSpPr>
+        <p:spPr>
+          <a:xfrm rot="10800000">
+            <a:off x="5917626" y="2201071"/>
+            <a:ext cx="356746" cy="563932"/>
+          </a:xfrm>
+          <a:prstGeom prst="rightBrace">
+            <a:avLst/>
+          </a:prstGeom>
+          <a:ln w="15875">
+            <a:solidFill>
+              <a:schemeClr val="tx1"/>
+            </a:solidFill>
+          </a:ln>
+        </p:spPr>
+        <p:style>
+          <a:lnRef idx="1">
+            <a:schemeClr val="accent1"/>
+          </a:lnRef>
+          <a:fillRef idx="0">
+            <a:schemeClr val="accent1"/>
+          </a:fillRef>
+          <a:effectRef idx="0">
+            <a:schemeClr val="accent1"/>
+          </a:effectRef>
+          <a:fontRef idx="minor">
+            <a:schemeClr val="tx1"/>
+          </a:fontRef>
+        </p:style>
+        <p:txBody>
+          <a:bodyPr rtlCol="0" anchor="ctr"/>
+          <a:lstStyle/>
+          <a:p>
+            <a:pPr algn="ctr"/>
+            <a:endParaRPr lang="zh-CN" altLang="en-US"/>
+          </a:p>
+        </p:txBody>
+      </p:sp>
+      <p:sp>
+        <p:nvSpPr>
+          <p:cNvPr id="19" name="矩形: 圆角 18">
+            <a:extLst>
+              <a:ext uri="{FF2B5EF4-FFF2-40B4-BE49-F238E27FC236}">
+                <a16:creationId xmlns:a16="http://schemas.microsoft.com/office/drawing/2014/main" id="{F2439152-B1B9-81F0-B050-0BB55817EFB9}"/>
+              </a:ext>
+            </a:extLst>
+          </p:cNvPr>
+          <p:cNvSpPr/>
+          <p:nvPr/>
+        </p:nvSpPr>
+        <p:spPr>
+          <a:xfrm>
+            <a:off x="6395572" y="2168376"/>
+            <a:ext cx="2234077" cy="278854"/>
+          </a:xfrm>
+          <a:prstGeom prst="roundRect">
+            <a:avLst/>
+          </a:prstGeom>
+          <a:solidFill>
+            <a:srgbClr val="E6F1F3"/>
+          </a:solidFill>
+          <a:ln>
+            <a:solidFill>
+              <a:schemeClr val="tx1"/>
+            </a:solidFill>
+          </a:ln>
+        </p:spPr>
+        <p:style>
+          <a:lnRef idx="2">
+            <a:schemeClr val="accent1">
+              <a:shade val="50000"/>
+            </a:schemeClr>
+          </a:lnRef>
+          <a:fillRef idx="1">
+            <a:schemeClr val="accent1"/>
+          </a:fillRef>
+          <a:effectRef idx="0">
+            <a:schemeClr val="accent1"/>
+          </a:effectRef>
+          <a:fontRef idx="minor">
+            <a:schemeClr val="lt1"/>
+          </a:fontRef>
+        </p:style>
+        <p:txBody>
+          <a:bodyPr rtlCol="0" anchor="ctr"/>
+          <a:lstStyle/>
+          <a:p>
+            <a:pPr algn="ctr"/>
+            <a:r>
+              <a:rPr lang="zh-CN" altLang="en-US" sz="1600" dirty="0">
+                <a:solidFill>
+                  <a:schemeClr val="tx1"/>
+                </a:solidFill>
+                <a:latin typeface="Times New Roman" panose="02020603050405020304" pitchFamily="18" charset="0"/>
+                <a:cs typeface="Times New Roman" panose="02020603050405020304" pitchFamily="18" charset="0"/>
+              </a:rPr>
+              <a:t>添加新类别</a:t>
+            </a:r>
+          </a:p>
+        </p:txBody>
+      </p:sp>
+      <p:sp>
+        <p:nvSpPr>
+          <p:cNvPr id="20" name="矩形: 圆角 19">
+            <a:extLst>
+              <a:ext uri="{FF2B5EF4-FFF2-40B4-BE49-F238E27FC236}">
+                <a16:creationId xmlns:a16="http://schemas.microsoft.com/office/drawing/2014/main" id="{6008EE9B-BB26-5916-EDAC-EDD9D42BFEF4}"/>
+              </a:ext>
+            </a:extLst>
+          </p:cNvPr>
+          <p:cNvSpPr/>
+          <p:nvPr/>
+        </p:nvSpPr>
+        <p:spPr>
+          <a:xfrm>
+            <a:off x="6395573" y="2549144"/>
+            <a:ext cx="2234077" cy="278854"/>
+          </a:xfrm>
+          <a:prstGeom prst="roundRect">
+            <a:avLst/>
+          </a:prstGeom>
+          <a:solidFill>
+            <a:srgbClr val="E6F1F3"/>
+          </a:solidFill>
+          <a:ln>
+            <a:solidFill>
+              <a:schemeClr val="tx1"/>
+            </a:solidFill>
+          </a:ln>
+        </p:spPr>
+        <p:style>
+          <a:lnRef idx="2">
+            <a:schemeClr val="accent1">
+              <a:shade val="50000"/>
+            </a:schemeClr>
+          </a:lnRef>
+          <a:fillRef idx="1">
+            <a:schemeClr val="accent1"/>
+          </a:fillRef>
+          <a:effectRef idx="0">
+            <a:schemeClr val="accent1"/>
+          </a:effectRef>
+          <a:fontRef idx="minor">
+            <a:schemeClr val="lt1"/>
+          </a:fontRef>
+        </p:style>
+        <p:txBody>
+          <a:bodyPr rtlCol="0" anchor="ctr"/>
+          <a:lstStyle/>
+          <a:p>
+            <a:pPr algn="ctr"/>
+            <a:r>
+              <a:rPr lang="zh-CN" altLang="en-US" sz="1600" dirty="0">
+                <a:solidFill>
+                  <a:schemeClr val="tx1"/>
+                </a:solidFill>
+                <a:latin typeface="Times New Roman" panose="02020603050405020304" pitchFamily="18" charset="0"/>
+                <a:cs typeface="Times New Roman" panose="02020603050405020304" pitchFamily="18" charset="0"/>
+              </a:rPr>
+              <a:t>类别信息列表</a:t>
+            </a:r>
+          </a:p>
+        </p:txBody>
+      </p:sp>
+      <p:sp>
+        <p:nvSpPr>
+          <p:cNvPr id="21" name="右大括号 20">
+            <a:extLst>
+              <a:ext uri="{FF2B5EF4-FFF2-40B4-BE49-F238E27FC236}">
+                <a16:creationId xmlns:a16="http://schemas.microsoft.com/office/drawing/2014/main" id="{59C28EFE-8533-5F28-40F3-AB6A42561A0F}"/>
+              </a:ext>
+            </a:extLst>
+          </p:cNvPr>
+          <p:cNvSpPr/>
+          <p:nvPr/>
+        </p:nvSpPr>
+        <p:spPr>
+          <a:xfrm rot="10800000">
+            <a:off x="5917626" y="3115363"/>
+            <a:ext cx="356746" cy="563932"/>
+          </a:xfrm>
+          <a:prstGeom prst="rightBrace">
+            <a:avLst/>
+          </a:prstGeom>
+          <a:ln w="15875">
+            <a:solidFill>
+              <a:schemeClr val="tx1"/>
+            </a:solidFill>
+          </a:ln>
+        </p:spPr>
+        <p:style>
+          <a:lnRef idx="1">
+            <a:schemeClr val="accent1"/>
+          </a:lnRef>
+          <a:fillRef idx="0">
+            <a:schemeClr val="accent1"/>
+          </a:fillRef>
+          <a:effectRef idx="0">
+            <a:schemeClr val="accent1"/>
+          </a:effectRef>
+          <a:fontRef idx="minor">
+            <a:schemeClr val="tx1"/>
+          </a:fontRef>
+        </p:style>
+        <p:txBody>
+          <a:bodyPr rtlCol="0" anchor="ctr"/>
+          <a:lstStyle/>
+          <a:p>
+            <a:pPr algn="ctr"/>
+            <a:endParaRPr lang="zh-CN" altLang="en-US"/>
+          </a:p>
+        </p:txBody>
+      </p:sp>
+      <p:sp>
+        <p:nvSpPr>
+          <p:cNvPr id="22" name="矩形: 圆角 21">
+            <a:extLst>
+              <a:ext uri="{FF2B5EF4-FFF2-40B4-BE49-F238E27FC236}">
+                <a16:creationId xmlns:a16="http://schemas.microsoft.com/office/drawing/2014/main" id="{6E50DC33-3FC4-3F8D-DB85-6BD624FBC178}"/>
+              </a:ext>
+            </a:extLst>
+          </p:cNvPr>
+          <p:cNvSpPr/>
+          <p:nvPr/>
+        </p:nvSpPr>
+        <p:spPr>
+          <a:xfrm>
+            <a:off x="6395572" y="3082668"/>
+            <a:ext cx="2234077" cy="278854"/>
+          </a:xfrm>
+          <a:prstGeom prst="roundRect">
+            <a:avLst/>
+          </a:prstGeom>
+          <a:solidFill>
+            <a:srgbClr val="E6F1F3"/>
+          </a:solidFill>
+          <a:ln>
+            <a:solidFill>
+              <a:schemeClr val="tx1"/>
+            </a:solidFill>
+          </a:ln>
+        </p:spPr>
+        <p:style>
+          <a:lnRef idx="2">
+            <a:schemeClr val="accent1">
+              <a:shade val="50000"/>
+            </a:schemeClr>
+          </a:lnRef>
+          <a:fillRef idx="1">
+            <a:schemeClr val="accent1"/>
+          </a:fillRef>
+          <a:effectRef idx="0">
+            <a:schemeClr val="accent1"/>
+          </a:effectRef>
+          <a:fontRef idx="minor">
+            <a:schemeClr val="lt1"/>
+          </a:fontRef>
+        </p:style>
+        <p:txBody>
+          <a:bodyPr rtlCol="0" anchor="ctr"/>
+          <a:lstStyle/>
+          <a:p>
+            <a:pPr algn="ctr"/>
+            <a:r>
+              <a:rPr lang="zh-CN" altLang="en-US" sz="1600" dirty="0">
+                <a:solidFill>
+                  <a:schemeClr val="tx1"/>
+                </a:solidFill>
+                <a:latin typeface="Times New Roman" panose="02020603050405020304" pitchFamily="18" charset="0"/>
+                <a:cs typeface="Times New Roman" panose="02020603050405020304" pitchFamily="18" charset="0"/>
+              </a:rPr>
+              <a:t>添加新公告</a:t>
+            </a:r>
+          </a:p>
+        </p:txBody>
+      </p:sp>
+      <p:sp>
+        <p:nvSpPr>
+          <p:cNvPr id="23" name="矩形: 圆角 22">
+            <a:extLst>
+              <a:ext uri="{FF2B5EF4-FFF2-40B4-BE49-F238E27FC236}">
+                <a16:creationId xmlns:a16="http://schemas.microsoft.com/office/drawing/2014/main" id="{181DC741-979A-8183-9635-F92059E31F8C}"/>
+              </a:ext>
+            </a:extLst>
+          </p:cNvPr>
+          <p:cNvSpPr/>
+          <p:nvPr/>
+        </p:nvSpPr>
+        <p:spPr>
+          <a:xfrm>
+            <a:off x="6395573" y="3463436"/>
+            <a:ext cx="2234077" cy="278854"/>
+          </a:xfrm>
+          <a:prstGeom prst="roundRect">
+            <a:avLst/>
+          </a:prstGeom>
+          <a:solidFill>
+            <a:srgbClr val="E6F1F3"/>
+          </a:solidFill>
+          <a:ln>
+            <a:solidFill>
+              <a:schemeClr val="tx1"/>
+            </a:solidFill>
+          </a:ln>
+        </p:spPr>
+        <p:style>
+          <a:lnRef idx="2">
+            <a:schemeClr val="accent1">
+              <a:shade val="50000"/>
+            </a:schemeClr>
+          </a:lnRef>
+          <a:fillRef idx="1">
+            <a:schemeClr val="accent1"/>
+          </a:fillRef>
+          <a:effectRef idx="0">
+            <a:schemeClr val="accent1"/>
+          </a:effectRef>
+          <a:fontRef idx="minor">
+            <a:schemeClr val="lt1"/>
+          </a:fontRef>
+        </p:style>
+        <p:txBody>
+          <a:bodyPr rtlCol="0" anchor="ctr"/>
+          <a:lstStyle/>
+          <a:p>
+            <a:pPr algn="ctr"/>
+            <a:r>
+              <a:rPr lang="zh-CN" altLang="en-US" sz="1600" dirty="0">
+                <a:solidFill>
+                  <a:schemeClr val="tx1"/>
+                </a:solidFill>
+                <a:latin typeface="Times New Roman" panose="02020603050405020304" pitchFamily="18" charset="0"/>
+                <a:cs typeface="Times New Roman" panose="02020603050405020304" pitchFamily="18" charset="0"/>
+              </a:rPr>
+              <a:t>通知信息列表</a:t>
+            </a:r>
+          </a:p>
+        </p:txBody>
+      </p:sp>
+      <p:sp>
+        <p:nvSpPr>
+          <p:cNvPr id="24" name="右大括号 23">
+            <a:extLst>
+              <a:ext uri="{FF2B5EF4-FFF2-40B4-BE49-F238E27FC236}">
+                <a16:creationId xmlns:a16="http://schemas.microsoft.com/office/drawing/2014/main" id="{30CF2762-50FD-9DB1-BBBA-1D6849BED03A}"/>
+              </a:ext>
+            </a:extLst>
+          </p:cNvPr>
+          <p:cNvSpPr/>
+          <p:nvPr/>
+        </p:nvSpPr>
+        <p:spPr>
+          <a:xfrm rot="10800000">
+            <a:off x="5917626" y="3922923"/>
+            <a:ext cx="356746" cy="963402"/>
+          </a:xfrm>
+          <a:prstGeom prst="rightBrace">
+            <a:avLst/>
+          </a:prstGeom>
+          <a:ln w="15875">
+            <a:solidFill>
+              <a:schemeClr val="tx1"/>
+            </a:solidFill>
+          </a:ln>
+        </p:spPr>
+        <p:style>
+          <a:lnRef idx="1">
+            <a:schemeClr val="accent1"/>
+          </a:lnRef>
+          <a:fillRef idx="0">
+            <a:schemeClr val="accent1"/>
+          </a:fillRef>
+          <a:effectRef idx="0">
+            <a:schemeClr val="accent1"/>
+          </a:effectRef>
+          <a:fontRef idx="minor">
+            <a:schemeClr val="tx1"/>
+          </a:fontRef>
+        </p:style>
+        <p:txBody>
+          <a:bodyPr rtlCol="0" anchor="ctr"/>
+          <a:lstStyle/>
+          <a:p>
+            <a:pPr algn="ctr"/>
+            <a:endParaRPr lang="zh-CN" altLang="en-US"/>
+          </a:p>
+        </p:txBody>
+      </p:sp>
+      <p:sp>
+        <p:nvSpPr>
+          <p:cNvPr id="25" name="矩形: 圆角 24">
+            <a:extLst>
+              <a:ext uri="{FF2B5EF4-FFF2-40B4-BE49-F238E27FC236}">
+                <a16:creationId xmlns:a16="http://schemas.microsoft.com/office/drawing/2014/main" id="{F6EAC4AF-FC5F-DA08-1463-9DF48588FE58}"/>
+              </a:ext>
+            </a:extLst>
+          </p:cNvPr>
+          <p:cNvSpPr/>
+          <p:nvPr/>
+        </p:nvSpPr>
+        <p:spPr>
+          <a:xfrm>
+            <a:off x="6395572" y="3890228"/>
+            <a:ext cx="2234077" cy="278854"/>
+          </a:xfrm>
+          <a:prstGeom prst="roundRect">
+            <a:avLst/>
+          </a:prstGeom>
+          <a:solidFill>
+            <a:srgbClr val="E6F1F3"/>
+          </a:solidFill>
+          <a:ln>
+            <a:solidFill>
+              <a:schemeClr val="tx1"/>
+            </a:solidFill>
+          </a:ln>
+        </p:spPr>
+        <p:style>
+          <a:lnRef idx="2">
+            <a:schemeClr val="accent1">
+              <a:shade val="50000"/>
+            </a:schemeClr>
+          </a:lnRef>
+          <a:fillRef idx="1">
+            <a:schemeClr val="accent1"/>
+          </a:fillRef>
+          <a:effectRef idx="0">
+            <a:schemeClr val="accent1"/>
+          </a:effectRef>
+          <a:fontRef idx="minor">
+            <a:schemeClr val="lt1"/>
+          </a:fontRef>
+        </p:style>
+        <p:txBody>
+          <a:bodyPr rtlCol="0" anchor="ctr"/>
+          <a:lstStyle/>
+          <a:p>
+            <a:pPr algn="ctr"/>
+            <a:r>
+              <a:rPr lang="zh-CN" altLang="en-US" sz="1600" dirty="0">
+                <a:solidFill>
+                  <a:schemeClr val="tx1"/>
+                </a:solidFill>
+                <a:latin typeface="Times New Roman" panose="02020603050405020304" pitchFamily="18" charset="0"/>
+                <a:cs typeface="Times New Roman" panose="02020603050405020304" pitchFamily="18" charset="0"/>
+              </a:rPr>
+              <a:t>销售订单信息列表</a:t>
+            </a:r>
+          </a:p>
+        </p:txBody>
+      </p:sp>
+      <p:sp>
+        <p:nvSpPr>
+          <p:cNvPr id="26" name="矩形: 圆角 25">
+            <a:extLst>
+              <a:ext uri="{FF2B5EF4-FFF2-40B4-BE49-F238E27FC236}">
+                <a16:creationId xmlns:a16="http://schemas.microsoft.com/office/drawing/2014/main" id="{71C2FC6D-6EA1-9E58-6E29-0DC1142B7239}"/>
+              </a:ext>
+            </a:extLst>
+          </p:cNvPr>
+          <p:cNvSpPr/>
+          <p:nvPr/>
+        </p:nvSpPr>
+        <p:spPr>
+          <a:xfrm>
+            <a:off x="6395573" y="4270996"/>
+            <a:ext cx="2234077" cy="278854"/>
+          </a:xfrm>
+          <a:prstGeom prst="roundRect">
+            <a:avLst/>
+          </a:prstGeom>
+          <a:solidFill>
+            <a:srgbClr val="E6F1F3"/>
+          </a:solidFill>
+          <a:ln>
+            <a:solidFill>
+              <a:schemeClr val="tx1"/>
+            </a:solidFill>
+          </a:ln>
+        </p:spPr>
+        <p:style>
+          <a:lnRef idx="2">
+            <a:schemeClr val="accent1">
+              <a:shade val="50000"/>
+            </a:schemeClr>
+          </a:lnRef>
+          <a:fillRef idx="1">
+            <a:schemeClr val="accent1"/>
+          </a:fillRef>
+          <a:effectRef idx="0">
+            <a:schemeClr val="accent1"/>
+          </a:effectRef>
+          <a:fontRef idx="minor">
+            <a:schemeClr val="lt1"/>
+          </a:fontRef>
+        </p:style>
+        <p:txBody>
+          <a:bodyPr rtlCol="0" anchor="ctr"/>
+          <a:lstStyle/>
+          <a:p>
+            <a:pPr algn="ctr"/>
+            <a:r>
+              <a:rPr lang="zh-CN" altLang="en-US" sz="1600" dirty="0">
+                <a:solidFill>
+                  <a:schemeClr val="tx1"/>
+                </a:solidFill>
+                <a:latin typeface="Times New Roman" panose="02020603050405020304" pitchFamily="18" charset="0"/>
+                <a:cs typeface="Times New Roman" panose="02020603050405020304" pitchFamily="18" charset="0"/>
+              </a:rPr>
+              <a:t>销售订单查询</a:t>
+            </a:r>
+          </a:p>
+        </p:txBody>
+      </p:sp>
+      <p:sp>
+        <p:nvSpPr>
+          <p:cNvPr id="30" name="矩形: 圆角 29">
+            <a:extLst>
+              <a:ext uri="{FF2B5EF4-FFF2-40B4-BE49-F238E27FC236}">
+                <a16:creationId xmlns:a16="http://schemas.microsoft.com/office/drawing/2014/main" id="{429ADEFF-9552-0478-545E-F156D84EDFDC}"/>
+              </a:ext>
+            </a:extLst>
+          </p:cNvPr>
+          <p:cNvSpPr/>
+          <p:nvPr/>
+        </p:nvSpPr>
+        <p:spPr>
+          <a:xfrm>
+            <a:off x="6395572" y="4697788"/>
+            <a:ext cx="2234077" cy="278854"/>
+          </a:xfrm>
+          <a:prstGeom prst="roundRect">
+            <a:avLst/>
+          </a:prstGeom>
+          <a:solidFill>
+            <a:srgbClr val="E6F1F3"/>
+          </a:solidFill>
+          <a:ln>
+            <a:solidFill>
+              <a:schemeClr val="tx1"/>
+            </a:solidFill>
+          </a:ln>
+        </p:spPr>
+        <p:style>
+          <a:lnRef idx="2">
+            <a:schemeClr val="accent1">
+              <a:shade val="50000"/>
+            </a:schemeClr>
+          </a:lnRef>
+          <a:fillRef idx="1">
+            <a:schemeClr val="accent1"/>
+          </a:fillRef>
+          <a:effectRef idx="0">
+            <a:schemeClr val="accent1"/>
+          </a:effectRef>
+          <a:fontRef idx="minor">
+            <a:schemeClr val="lt1"/>
+          </a:fontRef>
+        </p:style>
+        <p:txBody>
+          <a:bodyPr rtlCol="0" anchor="ctr"/>
+          <a:lstStyle/>
+          <a:p>
+            <a:pPr algn="ctr"/>
+            <a:r>
+              <a:rPr lang="zh-CN" altLang="en-US" sz="1600" dirty="0">
+                <a:solidFill>
+                  <a:schemeClr val="tx1"/>
+                </a:solidFill>
+                <a:latin typeface="Times New Roman" panose="02020603050405020304" pitchFamily="18" charset="0"/>
+                <a:cs typeface="Times New Roman" panose="02020603050405020304" pitchFamily="18" charset="0"/>
+              </a:rPr>
+              <a:t>本日销售额统计</a:t>
+            </a:r>
+          </a:p>
+        </p:txBody>
+      </p:sp>
+      <p:sp>
+        <p:nvSpPr>
+          <p:cNvPr id="32" name="文本框 31">
+            <a:extLst>
+              <a:ext uri="{FF2B5EF4-FFF2-40B4-BE49-F238E27FC236}">
+                <a16:creationId xmlns:a16="http://schemas.microsoft.com/office/drawing/2014/main" id="{D904675B-5C80-AE5B-96CF-67AFAC4ED030}"/>
+              </a:ext>
+            </a:extLst>
+          </p:cNvPr>
+          <p:cNvSpPr txBox="1"/>
+          <p:nvPr/>
+        </p:nvSpPr>
+        <p:spPr>
+          <a:xfrm>
+            <a:off x="860970" y="3679295"/>
+            <a:ext cx="2030909" cy="369332"/>
+          </a:xfrm>
+          <a:prstGeom prst="rect">
+            <a:avLst/>
+          </a:prstGeom>
+          <a:noFill/>
+        </p:spPr>
+        <p:txBody>
+          <a:bodyPr wrap="square">
+            <a:spAutoFit/>
+          </a:bodyPr>
+          <a:lstStyle/>
+          <a:p>
+            <a:pPr algn="ctr"/>
+            <a:r>
+              <a:rPr lang="zh-CN" altLang="en-US" dirty="0">
+                <a:solidFill>
+                  <a:schemeClr val="tx1"/>
+                </a:solidFill>
+                <a:latin typeface="Times New Roman" panose="02020603050405020304" pitchFamily="18" charset="0"/>
+                <a:cs typeface="Times New Roman" panose="02020603050405020304" pitchFamily="18" charset="0"/>
+              </a:rPr>
+              <a:t>管理员</a:t>
+            </a:r>
+          </a:p>
+        </p:txBody>
+      </p:sp>
+      <p:sp>
+        <p:nvSpPr>
+          <p:cNvPr id="33" name="文本框 32">
+            <a:extLst>
+              <a:ext uri="{FF2B5EF4-FFF2-40B4-BE49-F238E27FC236}">
+                <a16:creationId xmlns:a16="http://schemas.microsoft.com/office/drawing/2014/main" id="{1DED2312-1180-14DA-83D1-87CC6E60778F}"/>
+              </a:ext>
+            </a:extLst>
+          </p:cNvPr>
+          <p:cNvSpPr txBox="1"/>
+          <p:nvPr/>
+        </p:nvSpPr>
+        <p:spPr>
+          <a:xfrm>
+            <a:off x="626081" y="553901"/>
+            <a:ext cx="2030909" cy="461665"/>
+          </a:xfrm>
+          <a:prstGeom prst="rect">
+            <a:avLst/>
+          </a:prstGeom>
+          <a:noFill/>
+        </p:spPr>
+        <p:txBody>
+          <a:bodyPr wrap="square">
+            <a:spAutoFit/>
+          </a:bodyPr>
+          <a:lstStyle/>
+          <a:p>
+            <a:pPr algn="ctr"/>
+            <a:r>
+              <a:rPr lang="zh-CN" altLang="en-US" sz="2400" b="1" dirty="0">
+                <a:solidFill>
+                  <a:schemeClr val="tx1"/>
+                </a:solidFill>
+                <a:latin typeface="Times New Roman" panose="02020603050405020304" pitchFamily="18" charset="0"/>
+                <a:cs typeface="Times New Roman" panose="02020603050405020304" pitchFamily="18" charset="0"/>
+              </a:rPr>
+              <a:t>管理员的功能</a:t>
+            </a:r>
+          </a:p>
+        </p:txBody>
+      </p:sp>
+    </p:spTree>
+    <p:extLst>
+      <p:ext uri="{BB962C8B-B14F-4D97-AF65-F5344CB8AC3E}">
+        <p14:creationId xmlns:p14="http://schemas.microsoft.com/office/powerpoint/2010/main" val="913018763"/>
+      </p:ext>
+    </p:extLst>
+  </p:cSld>
+  <p:clrMapOvr>
+    <a:masterClrMapping/>
+  </p:clrMapOvr>
+</p:sld>
+</file>
+
+<file path=ppt/slides/slide6.xml><?xml version="1.0" encoding="utf-8"?>
+<p:sld xmlns:a="http://schemas.openxmlformats.org/drawingml/2006/main" xmlns:r="http://schemas.openxmlformats.org/officeDocument/2006/relationships" xmlns:p="http://schemas.openxmlformats.org/presentationml/2006/main">
+  <p:cSld>
+    <p:spTree>
+      <p:nvGrpSpPr>
+        <p:cNvPr id="1" name=""/>
+        <p:cNvGrpSpPr/>
+        <p:nvPr/>
+      </p:nvGrpSpPr>
+      <p:grpSpPr>
+        <a:xfrm>
+          <a:off x="0" y="0"/>
+          <a:ext cx="0" cy="0"/>
+          <a:chOff x="0" y="0"/>
+          <a:chExt cx="0" cy="0"/>
+        </a:xfrm>
+      </p:grpSpPr>
+      <p:pic>
+        <p:nvPicPr>
+          <p:cNvPr id="4" name="图形 3">
+            <a:extLst>
+              <a:ext uri="{FF2B5EF4-FFF2-40B4-BE49-F238E27FC236}">
+                <a16:creationId xmlns:a16="http://schemas.microsoft.com/office/drawing/2014/main" id="{D599B211-BE60-40CC-4E24-9124987A1D27}"/>
+              </a:ext>
+            </a:extLst>
+          </p:cNvPr>
+          <p:cNvPicPr>
+            <a:picLocks noChangeAspect="1"/>
+          </p:cNvPicPr>
+          <p:nvPr/>
+        </p:nvPicPr>
+        <p:blipFill>
+          <a:blip r:embed="rId2">
+            <a:extLst>
+              <a:ext uri="{28A0092B-C50C-407E-A947-70E740481C1C}">
+                <a14:useLocalDpi xmlns:a14="http://schemas.microsoft.com/office/drawing/2010/main" val="0"/>
+              </a:ext>
+              <a:ext uri="{96DAC541-7B7A-43D3-8B79-37D633B846F1}">
+                <asvg:svgBlip xmlns:asvg="http://schemas.microsoft.com/office/drawing/2016/SVG/main" r:embed="rId3"/>
+              </a:ext>
+            </a:extLst>
+          </a:blip>
+          <a:stretch>
+            <a:fillRect/>
+          </a:stretch>
+        </p:blipFill>
+        <p:spPr>
+          <a:xfrm>
+            <a:off x="424217" y="2444842"/>
+            <a:ext cx="1419225" cy="1419225"/>
+          </a:xfrm>
+          <a:prstGeom prst="rect">
+            <a:avLst/>
+          </a:prstGeom>
+        </p:spPr>
+      </p:pic>
+      <p:sp>
+        <p:nvSpPr>
+          <p:cNvPr id="5" name="矩形: 圆角 4">
+            <a:extLst>
+              <a:ext uri="{FF2B5EF4-FFF2-40B4-BE49-F238E27FC236}">
+                <a16:creationId xmlns:a16="http://schemas.microsoft.com/office/drawing/2014/main" id="{059B5F9E-3B56-DD6F-3451-9AB9A3D2EE64}"/>
+              </a:ext>
+            </a:extLst>
+          </p:cNvPr>
+          <p:cNvSpPr/>
+          <p:nvPr/>
+        </p:nvSpPr>
+        <p:spPr>
+          <a:xfrm>
+            <a:off x="2995036" y="1689605"/>
+            <a:ext cx="2420390" cy="432856"/>
+          </a:xfrm>
+          <a:prstGeom prst="roundRect">
+            <a:avLst/>
+          </a:prstGeom>
+          <a:solidFill>
+            <a:srgbClr val="E6F1F3"/>
+          </a:solidFill>
+          <a:ln>
+            <a:solidFill>
+              <a:schemeClr val="tx1"/>
+            </a:solidFill>
+          </a:ln>
+        </p:spPr>
+        <p:style>
+          <a:lnRef idx="2">
+            <a:schemeClr val="accent1">
+              <a:shade val="50000"/>
+            </a:schemeClr>
+          </a:lnRef>
+          <a:fillRef idx="1">
+            <a:schemeClr val="accent1"/>
+          </a:fillRef>
+          <a:effectRef idx="0">
+            <a:schemeClr val="accent1"/>
+          </a:effectRef>
+          <a:fontRef idx="minor">
+            <a:schemeClr val="lt1"/>
+          </a:fontRef>
+        </p:style>
+        <p:txBody>
+          <a:bodyPr rtlCol="0" anchor="ctr"/>
+          <a:lstStyle/>
+          <a:p>
+            <a:pPr algn="ctr"/>
+            <a:r>
+              <a:rPr lang="zh-CN" altLang="en-US" dirty="0">
+                <a:solidFill>
+                  <a:schemeClr val="tx1"/>
+                </a:solidFill>
+                <a:latin typeface="Times New Roman" panose="02020603050405020304" pitchFamily="18" charset="0"/>
+                <a:cs typeface="Times New Roman" panose="02020603050405020304" pitchFamily="18" charset="0"/>
+              </a:rPr>
+              <a:t>访问首页</a:t>
+            </a:r>
+          </a:p>
+        </p:txBody>
+      </p:sp>
+      <p:sp>
+        <p:nvSpPr>
+          <p:cNvPr id="6" name="右大括号 5">
+            <a:extLst>
+              <a:ext uri="{FF2B5EF4-FFF2-40B4-BE49-F238E27FC236}">
+                <a16:creationId xmlns:a16="http://schemas.microsoft.com/office/drawing/2014/main" id="{2A669DAF-4D85-2989-DA94-A395765ACE38}"/>
+              </a:ext>
+            </a:extLst>
+          </p:cNvPr>
+          <p:cNvSpPr/>
+          <p:nvPr/>
+        </p:nvSpPr>
+        <p:spPr>
+          <a:xfrm rot="10800000">
+            <a:off x="2485056" y="591484"/>
+            <a:ext cx="386498" cy="5997197"/>
+          </a:xfrm>
+          <a:prstGeom prst="rightBrace">
+            <a:avLst/>
+          </a:prstGeom>
+          <a:ln w="15875">
+            <a:solidFill>
+              <a:schemeClr val="tx1"/>
+            </a:solidFill>
+          </a:ln>
+        </p:spPr>
+        <p:style>
+          <a:lnRef idx="1">
+            <a:schemeClr val="accent1"/>
+          </a:lnRef>
+          <a:fillRef idx="0">
+            <a:schemeClr val="accent1"/>
+          </a:fillRef>
+          <a:effectRef idx="0">
+            <a:schemeClr val="accent1"/>
+          </a:effectRef>
+          <a:fontRef idx="minor">
+            <a:schemeClr val="tx1"/>
+          </a:fontRef>
+        </p:style>
+        <p:txBody>
+          <a:bodyPr rtlCol="0" anchor="ctr"/>
+          <a:lstStyle/>
+          <a:p>
+            <a:pPr algn="ctr"/>
+            <a:endParaRPr lang="zh-CN" altLang="en-US"/>
+          </a:p>
+        </p:txBody>
+      </p:sp>
+      <p:sp>
+        <p:nvSpPr>
+          <p:cNvPr id="7" name="矩形: 圆角 6">
+            <a:extLst>
+              <a:ext uri="{FF2B5EF4-FFF2-40B4-BE49-F238E27FC236}">
+                <a16:creationId xmlns:a16="http://schemas.microsoft.com/office/drawing/2014/main" id="{5525F7E7-5C2D-07EC-C8D1-4CD0BEE7E5ED}"/>
+              </a:ext>
+            </a:extLst>
+          </p:cNvPr>
+          <p:cNvSpPr/>
+          <p:nvPr/>
+        </p:nvSpPr>
+        <p:spPr>
+          <a:xfrm>
+            <a:off x="2995036" y="2564978"/>
+            <a:ext cx="2420390" cy="432856"/>
+          </a:xfrm>
+          <a:prstGeom prst="roundRect">
+            <a:avLst/>
+          </a:prstGeom>
+          <a:solidFill>
+            <a:srgbClr val="E6F1F3"/>
+          </a:solidFill>
+          <a:ln>
+            <a:solidFill>
+              <a:schemeClr val="tx1"/>
+            </a:solidFill>
+          </a:ln>
+        </p:spPr>
+        <p:style>
+          <a:lnRef idx="2">
+            <a:schemeClr val="accent1">
+              <a:shade val="50000"/>
+            </a:schemeClr>
+          </a:lnRef>
+          <a:fillRef idx="1">
+            <a:schemeClr val="accent1"/>
+          </a:fillRef>
+          <a:effectRef idx="0">
+            <a:schemeClr val="accent1"/>
+          </a:effectRef>
+          <a:fontRef idx="minor">
+            <a:schemeClr val="lt1"/>
+          </a:fontRef>
+        </p:style>
+        <p:txBody>
+          <a:bodyPr rtlCol="0" anchor="ctr"/>
+          <a:lstStyle/>
+          <a:p>
+            <a:pPr algn="ctr"/>
+            <a:r>
+              <a:rPr lang="zh-CN" altLang="en-US" dirty="0">
+                <a:solidFill>
+                  <a:schemeClr val="tx1"/>
+                </a:solidFill>
+                <a:latin typeface="Times New Roman" panose="02020603050405020304" pitchFamily="18" charset="0"/>
+                <a:cs typeface="Times New Roman" panose="02020603050405020304" pitchFamily="18" charset="0"/>
+              </a:rPr>
+              <a:t>我的餐车</a:t>
+            </a:r>
+          </a:p>
+        </p:txBody>
+      </p:sp>
+      <p:sp>
+        <p:nvSpPr>
+          <p:cNvPr id="8" name="矩形: 圆角 7">
+            <a:extLst>
+              <a:ext uri="{FF2B5EF4-FFF2-40B4-BE49-F238E27FC236}">
+                <a16:creationId xmlns:a16="http://schemas.microsoft.com/office/drawing/2014/main" id="{F5411ABD-8DD1-56E1-2AF1-FFE141494855}"/>
+              </a:ext>
+            </a:extLst>
+          </p:cNvPr>
+          <p:cNvSpPr/>
+          <p:nvPr/>
+        </p:nvSpPr>
+        <p:spPr>
+          <a:xfrm>
+            <a:off x="2995036" y="3441172"/>
+            <a:ext cx="2420390" cy="432856"/>
+          </a:xfrm>
+          <a:prstGeom prst="roundRect">
+            <a:avLst/>
+          </a:prstGeom>
+          <a:solidFill>
+            <a:srgbClr val="E6F1F3"/>
+          </a:solidFill>
+          <a:ln>
+            <a:solidFill>
+              <a:schemeClr val="tx1"/>
+            </a:solidFill>
+          </a:ln>
+        </p:spPr>
+        <p:style>
+          <a:lnRef idx="2">
+            <a:schemeClr val="accent1">
+              <a:shade val="50000"/>
+            </a:schemeClr>
+          </a:lnRef>
+          <a:fillRef idx="1">
+            <a:schemeClr val="accent1"/>
+          </a:fillRef>
+          <a:effectRef idx="0">
+            <a:schemeClr val="accent1"/>
+          </a:effectRef>
+          <a:fontRef idx="minor">
+            <a:schemeClr val="lt1"/>
+          </a:fontRef>
+        </p:style>
+        <p:txBody>
+          <a:bodyPr rtlCol="0" anchor="ctr"/>
+          <a:lstStyle/>
+          <a:p>
+            <a:pPr algn="ctr"/>
+            <a:r>
+              <a:rPr lang="zh-CN" altLang="en-US" dirty="0">
+                <a:solidFill>
+                  <a:schemeClr val="tx1"/>
+                </a:solidFill>
+                <a:latin typeface="Times New Roman" panose="02020603050405020304" pitchFamily="18" charset="0"/>
+                <a:cs typeface="Times New Roman" panose="02020603050405020304" pitchFamily="18" charset="0"/>
+              </a:rPr>
+              <a:t>我的订单</a:t>
+            </a:r>
+          </a:p>
+        </p:txBody>
+      </p:sp>
+      <p:sp>
+        <p:nvSpPr>
+          <p:cNvPr id="9" name="矩形: 圆角 8">
+            <a:extLst>
+              <a:ext uri="{FF2B5EF4-FFF2-40B4-BE49-F238E27FC236}">
+                <a16:creationId xmlns:a16="http://schemas.microsoft.com/office/drawing/2014/main" id="{A413C12C-B1C2-2E55-535C-E37C51C83452}"/>
+              </a:ext>
+            </a:extLst>
+          </p:cNvPr>
+          <p:cNvSpPr/>
+          <p:nvPr/>
+        </p:nvSpPr>
+        <p:spPr>
+          <a:xfrm>
+            <a:off x="2992754" y="4223566"/>
+            <a:ext cx="2420390" cy="432856"/>
+          </a:xfrm>
+          <a:prstGeom prst="roundRect">
+            <a:avLst/>
+          </a:prstGeom>
+          <a:solidFill>
+            <a:srgbClr val="E6F1F3"/>
+          </a:solidFill>
+          <a:ln>
+            <a:solidFill>
+              <a:schemeClr val="tx1"/>
+            </a:solidFill>
+          </a:ln>
+        </p:spPr>
+        <p:style>
+          <a:lnRef idx="2">
+            <a:schemeClr val="accent1">
+              <a:shade val="50000"/>
+            </a:schemeClr>
+          </a:lnRef>
+          <a:fillRef idx="1">
+            <a:schemeClr val="accent1"/>
+          </a:fillRef>
+          <a:effectRef idx="0">
+            <a:schemeClr val="accent1"/>
+          </a:effectRef>
+          <a:fontRef idx="minor">
+            <a:schemeClr val="lt1"/>
+          </a:fontRef>
+        </p:style>
+        <p:txBody>
+          <a:bodyPr rtlCol="0" anchor="ctr"/>
+          <a:lstStyle/>
+          <a:p>
+            <a:pPr algn="ctr"/>
+            <a:r>
+              <a:rPr lang="zh-CN" altLang="en-US" dirty="0">
+                <a:solidFill>
+                  <a:schemeClr val="tx1"/>
+                </a:solidFill>
+                <a:latin typeface="Times New Roman" panose="02020603050405020304" pitchFamily="18" charset="0"/>
+                <a:cs typeface="Times New Roman" panose="02020603050405020304" pitchFamily="18" charset="0"/>
+              </a:rPr>
+              <a:t>用户中心</a:t>
+            </a:r>
+          </a:p>
+        </p:txBody>
+      </p:sp>
+      <p:sp>
+        <p:nvSpPr>
+          <p:cNvPr id="10" name="矩形: 圆角 9">
+            <a:extLst>
+              <a:ext uri="{FF2B5EF4-FFF2-40B4-BE49-F238E27FC236}">
+                <a16:creationId xmlns:a16="http://schemas.microsoft.com/office/drawing/2014/main" id="{68CA05AD-7602-7D03-011F-DA6222F6FB50}"/>
+              </a:ext>
+            </a:extLst>
+          </p:cNvPr>
+          <p:cNvSpPr/>
+          <p:nvPr/>
+        </p:nvSpPr>
+        <p:spPr>
+          <a:xfrm>
+            <a:off x="2992754" y="4837386"/>
+            <a:ext cx="2420390" cy="432856"/>
+          </a:xfrm>
+          <a:prstGeom prst="roundRect">
+            <a:avLst/>
+          </a:prstGeom>
+          <a:solidFill>
+            <a:srgbClr val="E6F1F3"/>
+          </a:solidFill>
+          <a:ln>
+            <a:solidFill>
+              <a:schemeClr val="tx1"/>
+            </a:solidFill>
+          </a:ln>
+        </p:spPr>
+        <p:style>
+          <a:lnRef idx="2">
+            <a:schemeClr val="accent1">
+              <a:shade val="50000"/>
+            </a:schemeClr>
+          </a:lnRef>
+          <a:fillRef idx="1">
+            <a:schemeClr val="accent1"/>
+          </a:fillRef>
+          <a:effectRef idx="0">
+            <a:schemeClr val="accent1"/>
+          </a:effectRef>
+          <a:fontRef idx="minor">
+            <a:schemeClr val="lt1"/>
+          </a:fontRef>
+        </p:style>
+        <p:txBody>
+          <a:bodyPr rtlCol="0" anchor="ctr"/>
+          <a:lstStyle/>
+          <a:p>
+            <a:pPr algn="ctr"/>
+            <a:r>
+              <a:rPr lang="zh-CN" altLang="en-US" dirty="0">
+                <a:solidFill>
+                  <a:schemeClr val="tx1"/>
+                </a:solidFill>
+                <a:latin typeface="Times New Roman" panose="02020603050405020304" pitchFamily="18" charset="0"/>
+                <a:cs typeface="Times New Roman" panose="02020603050405020304" pitchFamily="18" charset="0"/>
+              </a:rPr>
+              <a:t>配送说明</a:t>
+            </a:r>
+          </a:p>
+        </p:txBody>
+      </p:sp>
+      <p:sp>
+        <p:nvSpPr>
+          <p:cNvPr id="11" name="矩形: 圆角 10">
+            <a:extLst>
+              <a:ext uri="{FF2B5EF4-FFF2-40B4-BE49-F238E27FC236}">
+                <a16:creationId xmlns:a16="http://schemas.microsoft.com/office/drawing/2014/main" id="{8757BAB2-4F06-568F-EE5B-FE710D67A079}"/>
+              </a:ext>
+            </a:extLst>
+          </p:cNvPr>
+          <p:cNvSpPr/>
+          <p:nvPr/>
+        </p:nvSpPr>
+        <p:spPr>
+          <a:xfrm>
+            <a:off x="2992753" y="6324549"/>
+            <a:ext cx="2420390" cy="432856"/>
+          </a:xfrm>
+          <a:prstGeom prst="roundRect">
+            <a:avLst/>
+          </a:prstGeom>
+          <a:solidFill>
+            <a:srgbClr val="E6F1F3"/>
+          </a:solidFill>
+          <a:ln>
+            <a:solidFill>
+              <a:schemeClr val="tx1"/>
+            </a:solidFill>
+          </a:ln>
+        </p:spPr>
+        <p:style>
+          <a:lnRef idx="2">
+            <a:schemeClr val="accent1">
+              <a:shade val="50000"/>
+            </a:schemeClr>
+          </a:lnRef>
+          <a:fillRef idx="1">
+            <a:schemeClr val="accent1"/>
+          </a:fillRef>
+          <a:effectRef idx="0">
+            <a:schemeClr val="accent1"/>
+          </a:effectRef>
+          <a:fontRef idx="minor">
+            <a:schemeClr val="lt1"/>
+          </a:fontRef>
+        </p:style>
+        <p:txBody>
+          <a:bodyPr rtlCol="0" anchor="ctr"/>
+          <a:lstStyle/>
+          <a:p>
+            <a:pPr algn="ctr"/>
+            <a:r>
+              <a:rPr lang="zh-CN" altLang="en-US" dirty="0">
+                <a:solidFill>
+                  <a:schemeClr val="tx1"/>
+                </a:solidFill>
+                <a:latin typeface="Times New Roman" panose="02020603050405020304" pitchFamily="18" charset="0"/>
+                <a:cs typeface="Times New Roman" panose="02020603050405020304" pitchFamily="18" charset="0"/>
+              </a:rPr>
+              <a:t>注销退出</a:t>
+            </a:r>
+          </a:p>
+        </p:txBody>
+      </p:sp>
+      <p:sp>
+        <p:nvSpPr>
+          <p:cNvPr id="12" name="矩形: 圆角 11">
+            <a:extLst>
+              <a:ext uri="{FF2B5EF4-FFF2-40B4-BE49-F238E27FC236}">
+                <a16:creationId xmlns:a16="http://schemas.microsoft.com/office/drawing/2014/main" id="{D51F3A5F-0868-443B-084E-418E2FAFD8F6}"/>
+              </a:ext>
+            </a:extLst>
+          </p:cNvPr>
+          <p:cNvSpPr/>
+          <p:nvPr/>
+        </p:nvSpPr>
+        <p:spPr>
+          <a:xfrm>
+            <a:off x="2992754" y="493571"/>
+            <a:ext cx="2420390" cy="432856"/>
+          </a:xfrm>
+          <a:prstGeom prst="roundRect">
+            <a:avLst/>
+          </a:prstGeom>
+          <a:solidFill>
+            <a:srgbClr val="E6F1F3"/>
+          </a:solidFill>
+          <a:ln>
+            <a:solidFill>
+              <a:schemeClr val="tx1"/>
+            </a:solidFill>
+          </a:ln>
+        </p:spPr>
+        <p:style>
+          <a:lnRef idx="2">
+            <a:schemeClr val="accent1">
+              <a:shade val="50000"/>
+            </a:schemeClr>
+          </a:lnRef>
+          <a:fillRef idx="1">
+            <a:schemeClr val="accent1"/>
+          </a:fillRef>
+          <a:effectRef idx="0">
+            <a:schemeClr val="accent1"/>
+          </a:effectRef>
+          <a:fontRef idx="minor">
+            <a:schemeClr val="lt1"/>
+          </a:fontRef>
+        </p:style>
+        <p:txBody>
+          <a:bodyPr rtlCol="0" anchor="ctr"/>
+          <a:lstStyle/>
+          <a:p>
+            <a:pPr algn="ctr"/>
+            <a:r>
+              <a:rPr lang="zh-CN" altLang="en-US" dirty="0">
+                <a:solidFill>
+                  <a:schemeClr val="tx1"/>
+                </a:solidFill>
+                <a:latin typeface="Times New Roman" panose="02020603050405020304" pitchFamily="18" charset="0"/>
+                <a:cs typeface="Times New Roman" panose="02020603050405020304" pitchFamily="18" charset="0"/>
+              </a:rPr>
+              <a:t>登录</a:t>
+            </a:r>
+          </a:p>
+        </p:txBody>
+      </p:sp>
+      <p:sp>
+        <p:nvSpPr>
+          <p:cNvPr id="13" name="右大括号 12">
+            <a:extLst>
+              <a:ext uri="{FF2B5EF4-FFF2-40B4-BE49-F238E27FC236}">
+                <a16:creationId xmlns:a16="http://schemas.microsoft.com/office/drawing/2014/main" id="{9BF7A0F7-C0F3-6D9B-EAB6-40F35BD78ECA}"/>
+              </a:ext>
+            </a:extLst>
+          </p:cNvPr>
+          <p:cNvSpPr/>
+          <p:nvPr/>
+        </p:nvSpPr>
+        <p:spPr>
+          <a:xfrm rot="10800000">
+            <a:off x="5536626" y="1582873"/>
+            <a:ext cx="356746" cy="563932"/>
+          </a:xfrm>
+          <a:prstGeom prst="rightBrace">
+            <a:avLst/>
+          </a:prstGeom>
+          <a:ln w="15875">
+            <a:solidFill>
+              <a:schemeClr val="tx1"/>
+            </a:solidFill>
+          </a:ln>
+        </p:spPr>
+        <p:style>
+          <a:lnRef idx="1">
+            <a:schemeClr val="accent1"/>
+          </a:lnRef>
+          <a:fillRef idx="0">
+            <a:schemeClr val="accent1"/>
+          </a:fillRef>
+          <a:effectRef idx="0">
+            <a:schemeClr val="accent1"/>
+          </a:effectRef>
+          <a:fontRef idx="minor">
+            <a:schemeClr val="tx1"/>
+          </a:fontRef>
+        </p:style>
+        <p:txBody>
+          <a:bodyPr rtlCol="0" anchor="ctr"/>
+          <a:lstStyle/>
+          <a:p>
+            <a:pPr algn="ctr"/>
+            <a:endParaRPr lang="zh-CN" altLang="en-US"/>
+          </a:p>
+        </p:txBody>
+      </p:sp>
+      <p:sp>
+        <p:nvSpPr>
+          <p:cNvPr id="14" name="矩形: 圆角 13">
+            <a:extLst>
+              <a:ext uri="{FF2B5EF4-FFF2-40B4-BE49-F238E27FC236}">
+                <a16:creationId xmlns:a16="http://schemas.microsoft.com/office/drawing/2014/main" id="{3FEF52C7-3F6B-E7CE-6C6E-0DD1B972CE80}"/>
+              </a:ext>
+            </a:extLst>
+          </p:cNvPr>
+          <p:cNvSpPr/>
+          <p:nvPr/>
+        </p:nvSpPr>
+        <p:spPr>
+          <a:xfrm>
+            <a:off x="6014572" y="1550178"/>
+            <a:ext cx="2234077" cy="278854"/>
+          </a:xfrm>
+          <a:prstGeom prst="roundRect">
+            <a:avLst/>
+          </a:prstGeom>
+          <a:solidFill>
+            <a:srgbClr val="E6F1F3"/>
+          </a:solidFill>
+          <a:ln>
+            <a:solidFill>
+              <a:schemeClr val="tx1"/>
+            </a:solidFill>
+          </a:ln>
+        </p:spPr>
+        <p:style>
+          <a:lnRef idx="2">
+            <a:schemeClr val="accent1">
+              <a:shade val="50000"/>
+            </a:schemeClr>
+          </a:lnRef>
+          <a:fillRef idx="1">
+            <a:schemeClr val="accent1"/>
+          </a:fillRef>
+          <a:effectRef idx="0">
+            <a:schemeClr val="accent1"/>
+          </a:effectRef>
+          <a:fontRef idx="minor">
+            <a:schemeClr val="lt1"/>
+          </a:fontRef>
+        </p:style>
+        <p:txBody>
+          <a:bodyPr rtlCol="0" anchor="ctr"/>
+          <a:lstStyle/>
+          <a:p>
+            <a:pPr algn="ctr"/>
+            <a:r>
+              <a:rPr lang="zh-CN" altLang="en-US" sz="1600" dirty="0">
+                <a:solidFill>
+                  <a:schemeClr val="tx1"/>
+                </a:solidFill>
+                <a:latin typeface="Times New Roman" panose="02020603050405020304" pitchFamily="18" charset="0"/>
+                <a:cs typeface="Times New Roman" panose="02020603050405020304" pitchFamily="18" charset="0"/>
+              </a:rPr>
+              <a:t>查看菜品信息</a:t>
+            </a:r>
+          </a:p>
+        </p:txBody>
+      </p:sp>
+      <p:sp>
+        <p:nvSpPr>
+          <p:cNvPr id="15" name="矩形: 圆角 14">
+            <a:extLst>
+              <a:ext uri="{FF2B5EF4-FFF2-40B4-BE49-F238E27FC236}">
+                <a16:creationId xmlns:a16="http://schemas.microsoft.com/office/drawing/2014/main" id="{8FD86EBB-18EB-C8DC-C7A2-23CCCA0C4C08}"/>
+              </a:ext>
+            </a:extLst>
+          </p:cNvPr>
+          <p:cNvSpPr/>
+          <p:nvPr/>
+        </p:nvSpPr>
+        <p:spPr>
+          <a:xfrm>
+            <a:off x="6014573" y="1930946"/>
+            <a:ext cx="2234077" cy="278854"/>
+          </a:xfrm>
+          <a:prstGeom prst="roundRect">
+            <a:avLst/>
+          </a:prstGeom>
+          <a:solidFill>
+            <a:srgbClr val="E6F1F3"/>
+          </a:solidFill>
+          <a:ln>
+            <a:solidFill>
+              <a:schemeClr val="tx1"/>
+            </a:solidFill>
+          </a:ln>
+        </p:spPr>
+        <p:style>
+          <a:lnRef idx="2">
+            <a:schemeClr val="accent1">
+              <a:shade val="50000"/>
+            </a:schemeClr>
+          </a:lnRef>
+          <a:fillRef idx="1">
+            <a:schemeClr val="accent1"/>
+          </a:fillRef>
+          <a:effectRef idx="0">
+            <a:schemeClr val="accent1"/>
+          </a:effectRef>
+          <a:fontRef idx="minor">
+            <a:schemeClr val="lt1"/>
+          </a:fontRef>
+        </p:style>
+        <p:txBody>
+          <a:bodyPr rtlCol="0" anchor="ctr"/>
+          <a:lstStyle/>
+          <a:p>
+            <a:pPr algn="ctr"/>
+            <a:r>
+              <a:rPr lang="zh-CN" altLang="en-US" sz="1600" dirty="0">
+                <a:solidFill>
+                  <a:schemeClr val="tx1"/>
+                </a:solidFill>
+                <a:latin typeface="Times New Roman" panose="02020603050405020304" pitchFamily="18" charset="0"/>
+                <a:cs typeface="Times New Roman" panose="02020603050405020304" pitchFamily="18" charset="0"/>
+              </a:rPr>
+              <a:t>加入餐车</a:t>
+            </a:r>
+          </a:p>
+        </p:txBody>
+      </p:sp>
+      <p:sp>
+        <p:nvSpPr>
+          <p:cNvPr id="16" name="右大括号 15">
+            <a:extLst>
+              <a:ext uri="{FF2B5EF4-FFF2-40B4-BE49-F238E27FC236}">
+                <a16:creationId xmlns:a16="http://schemas.microsoft.com/office/drawing/2014/main" id="{CADA32C5-8886-01F0-6A2E-1BDC48426B2C}"/>
+              </a:ext>
+            </a:extLst>
+          </p:cNvPr>
+          <p:cNvSpPr/>
+          <p:nvPr/>
+        </p:nvSpPr>
+        <p:spPr>
+          <a:xfrm rot="10800000">
+            <a:off x="5536626" y="2458246"/>
+            <a:ext cx="356746" cy="563932"/>
+          </a:xfrm>
+          <a:prstGeom prst="rightBrace">
+            <a:avLst/>
+          </a:prstGeom>
+          <a:ln w="15875">
+            <a:solidFill>
+              <a:schemeClr val="tx1"/>
+            </a:solidFill>
+          </a:ln>
+        </p:spPr>
+        <p:style>
+          <a:lnRef idx="1">
+            <a:schemeClr val="accent1"/>
+          </a:lnRef>
+          <a:fillRef idx="0">
+            <a:schemeClr val="accent1"/>
+          </a:fillRef>
+          <a:effectRef idx="0">
+            <a:schemeClr val="accent1"/>
+          </a:effectRef>
+          <a:fontRef idx="minor">
+            <a:schemeClr val="tx1"/>
+          </a:fontRef>
+        </p:style>
+        <p:txBody>
+          <a:bodyPr rtlCol="0" anchor="ctr"/>
+          <a:lstStyle/>
+          <a:p>
+            <a:pPr algn="ctr"/>
+            <a:endParaRPr lang="zh-CN" altLang="en-US"/>
+          </a:p>
+        </p:txBody>
+      </p:sp>
+      <p:sp>
+        <p:nvSpPr>
+          <p:cNvPr id="17" name="矩形: 圆角 16">
+            <a:extLst>
+              <a:ext uri="{FF2B5EF4-FFF2-40B4-BE49-F238E27FC236}">
+                <a16:creationId xmlns:a16="http://schemas.microsoft.com/office/drawing/2014/main" id="{52A56452-FEA4-FE81-E68F-026939CD3AB8}"/>
+              </a:ext>
+            </a:extLst>
+          </p:cNvPr>
+          <p:cNvSpPr/>
+          <p:nvPr/>
+        </p:nvSpPr>
+        <p:spPr>
+          <a:xfrm>
+            <a:off x="6014572" y="2425551"/>
+            <a:ext cx="2234077" cy="278854"/>
+          </a:xfrm>
+          <a:prstGeom prst="roundRect">
+            <a:avLst/>
+          </a:prstGeom>
+          <a:solidFill>
+            <a:srgbClr val="E6F1F3"/>
+          </a:solidFill>
+          <a:ln>
+            <a:solidFill>
+              <a:schemeClr val="tx1"/>
+            </a:solidFill>
+          </a:ln>
+        </p:spPr>
+        <p:style>
+          <a:lnRef idx="2">
+            <a:schemeClr val="accent1">
+              <a:shade val="50000"/>
+            </a:schemeClr>
+          </a:lnRef>
+          <a:fillRef idx="1">
+            <a:schemeClr val="accent1"/>
+          </a:fillRef>
+          <a:effectRef idx="0">
+            <a:schemeClr val="accent1"/>
+          </a:effectRef>
+          <a:fontRef idx="minor">
+            <a:schemeClr val="lt1"/>
+          </a:fontRef>
+        </p:style>
+        <p:txBody>
+          <a:bodyPr rtlCol="0" anchor="ctr"/>
+          <a:lstStyle/>
+          <a:p>
+            <a:pPr algn="ctr"/>
+            <a:r>
+              <a:rPr lang="zh-CN" altLang="en-US" sz="1600" dirty="0">
+                <a:solidFill>
+                  <a:schemeClr val="tx1"/>
+                </a:solidFill>
+                <a:latin typeface="Times New Roman" panose="02020603050405020304" pitchFamily="18" charset="0"/>
+                <a:cs typeface="Times New Roman" panose="02020603050405020304" pitchFamily="18" charset="0"/>
+              </a:rPr>
+              <a:t>提交菜品订单</a:t>
+            </a:r>
+          </a:p>
+        </p:txBody>
+      </p:sp>
+      <p:sp>
+        <p:nvSpPr>
+          <p:cNvPr id="18" name="矩形: 圆角 17">
+            <a:extLst>
+              <a:ext uri="{FF2B5EF4-FFF2-40B4-BE49-F238E27FC236}">
+                <a16:creationId xmlns:a16="http://schemas.microsoft.com/office/drawing/2014/main" id="{572B1BA9-412D-7496-BA9D-615E39B37026}"/>
+              </a:ext>
+            </a:extLst>
+          </p:cNvPr>
+          <p:cNvSpPr/>
+          <p:nvPr/>
+        </p:nvSpPr>
+        <p:spPr>
+          <a:xfrm>
+            <a:off x="6014573" y="2806319"/>
+            <a:ext cx="2234077" cy="278854"/>
+          </a:xfrm>
+          <a:prstGeom prst="roundRect">
+            <a:avLst/>
+          </a:prstGeom>
+          <a:solidFill>
+            <a:srgbClr val="E6F1F3"/>
+          </a:solidFill>
+          <a:ln>
+            <a:solidFill>
+              <a:schemeClr val="tx1"/>
+            </a:solidFill>
+          </a:ln>
+        </p:spPr>
+        <p:style>
+          <a:lnRef idx="2">
+            <a:schemeClr val="accent1">
+              <a:shade val="50000"/>
+            </a:schemeClr>
+          </a:lnRef>
+          <a:fillRef idx="1">
+            <a:schemeClr val="accent1"/>
+          </a:fillRef>
+          <a:effectRef idx="0">
+            <a:schemeClr val="accent1"/>
+          </a:effectRef>
+          <a:fontRef idx="minor">
+            <a:schemeClr val="lt1"/>
+          </a:fontRef>
+        </p:style>
+        <p:txBody>
+          <a:bodyPr rtlCol="0" anchor="ctr"/>
+          <a:lstStyle/>
+          <a:p>
+            <a:pPr algn="ctr"/>
+            <a:r>
+              <a:rPr lang="zh-CN" altLang="en-US" sz="1600" dirty="0">
+                <a:solidFill>
+                  <a:schemeClr val="tx1"/>
+                </a:solidFill>
+                <a:latin typeface="Times New Roman" panose="02020603050405020304" pitchFamily="18" charset="0"/>
+                <a:cs typeface="Times New Roman" panose="02020603050405020304" pitchFamily="18" charset="0"/>
+              </a:rPr>
+              <a:t>取消菜品订单</a:t>
+            </a:r>
+          </a:p>
+        </p:txBody>
+      </p:sp>
+      <p:sp>
+        <p:nvSpPr>
+          <p:cNvPr id="19" name="右大括号 18">
+            <a:extLst>
+              <a:ext uri="{FF2B5EF4-FFF2-40B4-BE49-F238E27FC236}">
+                <a16:creationId xmlns:a16="http://schemas.microsoft.com/office/drawing/2014/main" id="{AF6BD728-8695-9427-3CD7-E5534C8004FA}"/>
+              </a:ext>
+            </a:extLst>
+          </p:cNvPr>
+          <p:cNvSpPr/>
+          <p:nvPr/>
+        </p:nvSpPr>
+        <p:spPr>
+          <a:xfrm rot="10800000">
+            <a:off x="5536626" y="3372538"/>
+            <a:ext cx="356746" cy="563932"/>
+          </a:xfrm>
+          <a:prstGeom prst="rightBrace">
+            <a:avLst/>
+          </a:prstGeom>
+          <a:ln w="15875">
+            <a:solidFill>
+              <a:schemeClr val="tx1"/>
+            </a:solidFill>
+          </a:ln>
+        </p:spPr>
+        <p:style>
+          <a:lnRef idx="1">
+            <a:schemeClr val="accent1"/>
+          </a:lnRef>
+          <a:fillRef idx="0">
+            <a:schemeClr val="accent1"/>
+          </a:fillRef>
+          <a:effectRef idx="0">
+            <a:schemeClr val="accent1"/>
+          </a:effectRef>
+          <a:fontRef idx="minor">
+            <a:schemeClr val="tx1"/>
+          </a:fontRef>
+        </p:style>
+        <p:txBody>
+          <a:bodyPr rtlCol="0" anchor="ctr"/>
+          <a:lstStyle/>
+          <a:p>
+            <a:pPr algn="ctr"/>
+            <a:endParaRPr lang="zh-CN" altLang="en-US"/>
+          </a:p>
+        </p:txBody>
+      </p:sp>
+      <p:sp>
+        <p:nvSpPr>
+          <p:cNvPr id="20" name="矩形: 圆角 19">
+            <a:extLst>
+              <a:ext uri="{FF2B5EF4-FFF2-40B4-BE49-F238E27FC236}">
+                <a16:creationId xmlns:a16="http://schemas.microsoft.com/office/drawing/2014/main" id="{B8A6E8B4-144B-30D3-4E1B-5121F229994E}"/>
+              </a:ext>
+            </a:extLst>
+          </p:cNvPr>
+          <p:cNvSpPr/>
+          <p:nvPr/>
+        </p:nvSpPr>
+        <p:spPr>
+          <a:xfrm>
+            <a:off x="6014572" y="3339843"/>
+            <a:ext cx="3385460" cy="278854"/>
+          </a:xfrm>
+          <a:prstGeom prst="roundRect">
+            <a:avLst/>
+          </a:prstGeom>
+          <a:solidFill>
+            <a:srgbClr val="E6F1F3"/>
+          </a:solidFill>
+          <a:ln>
+            <a:solidFill>
+              <a:schemeClr val="tx1"/>
+            </a:solidFill>
+          </a:ln>
+        </p:spPr>
+        <p:style>
+          <a:lnRef idx="2">
+            <a:schemeClr val="accent1">
+              <a:shade val="50000"/>
+            </a:schemeClr>
+          </a:lnRef>
+          <a:fillRef idx="1">
+            <a:schemeClr val="accent1"/>
+          </a:fillRef>
+          <a:effectRef idx="0">
+            <a:schemeClr val="accent1"/>
+          </a:effectRef>
+          <a:fontRef idx="minor">
+            <a:schemeClr val="lt1"/>
+          </a:fontRef>
+        </p:style>
+        <p:txBody>
+          <a:bodyPr rtlCol="0" anchor="ctr"/>
+          <a:lstStyle/>
+          <a:p>
+            <a:pPr algn="ctr"/>
+            <a:r>
+              <a:rPr lang="zh-CN" altLang="en-US" sz="1600" dirty="0">
+                <a:solidFill>
+                  <a:schemeClr val="tx1"/>
+                </a:solidFill>
+                <a:latin typeface="Times New Roman" panose="02020603050405020304" pitchFamily="18" charset="0"/>
+                <a:cs typeface="Times New Roman" panose="02020603050405020304" pitchFamily="18" charset="0"/>
+              </a:rPr>
+              <a:t>按日期查询并且显示不同类型订单</a:t>
+            </a:r>
+          </a:p>
+        </p:txBody>
+      </p:sp>
+      <p:sp>
+        <p:nvSpPr>
+          <p:cNvPr id="21" name="矩形: 圆角 20">
+            <a:extLst>
+              <a:ext uri="{FF2B5EF4-FFF2-40B4-BE49-F238E27FC236}">
+                <a16:creationId xmlns:a16="http://schemas.microsoft.com/office/drawing/2014/main" id="{B19307BA-7B17-4F64-2D4C-F80B8C6B29A7}"/>
+              </a:ext>
+            </a:extLst>
+          </p:cNvPr>
+          <p:cNvSpPr/>
+          <p:nvPr/>
+        </p:nvSpPr>
+        <p:spPr>
+          <a:xfrm>
+            <a:off x="6014573" y="3720611"/>
+            <a:ext cx="3385459" cy="278854"/>
+          </a:xfrm>
+          <a:prstGeom prst="roundRect">
+            <a:avLst/>
+          </a:prstGeom>
+          <a:solidFill>
+            <a:srgbClr val="E6F1F3"/>
+          </a:solidFill>
+          <a:ln>
+            <a:solidFill>
+              <a:schemeClr val="tx1"/>
+            </a:solidFill>
+          </a:ln>
+        </p:spPr>
+        <p:style>
+          <a:lnRef idx="2">
+            <a:schemeClr val="accent1">
+              <a:shade val="50000"/>
+            </a:schemeClr>
+          </a:lnRef>
+          <a:fillRef idx="1">
+            <a:schemeClr val="accent1"/>
+          </a:fillRef>
+          <a:effectRef idx="0">
+            <a:schemeClr val="accent1"/>
+          </a:effectRef>
+          <a:fontRef idx="minor">
+            <a:schemeClr val="lt1"/>
+          </a:fontRef>
+        </p:style>
+        <p:txBody>
+          <a:bodyPr rtlCol="0" anchor="ctr"/>
+          <a:lstStyle/>
+          <a:p>
+            <a:pPr algn="ctr"/>
+            <a:r>
+              <a:rPr lang="zh-CN" altLang="en-US" sz="1600" dirty="0">
+                <a:solidFill>
+                  <a:schemeClr val="tx1"/>
+                </a:solidFill>
+                <a:latin typeface="Times New Roman" panose="02020603050405020304" pitchFamily="18" charset="0"/>
+                <a:cs typeface="Times New Roman" panose="02020603050405020304" pitchFamily="18" charset="0"/>
+              </a:rPr>
+              <a:t>按菜名查询并且显示不同类型订单</a:t>
+            </a:r>
+          </a:p>
+        </p:txBody>
+      </p:sp>
+      <p:sp>
+        <p:nvSpPr>
+          <p:cNvPr id="23" name="矩形: 圆角 22">
+            <a:extLst>
+              <a:ext uri="{FF2B5EF4-FFF2-40B4-BE49-F238E27FC236}">
+                <a16:creationId xmlns:a16="http://schemas.microsoft.com/office/drawing/2014/main" id="{04C5E638-595F-5698-5B61-0DDD6EA54DC0}"/>
+              </a:ext>
+            </a:extLst>
+          </p:cNvPr>
+          <p:cNvSpPr/>
+          <p:nvPr/>
+        </p:nvSpPr>
+        <p:spPr>
+          <a:xfrm>
+            <a:off x="6012289" y="4084139"/>
+            <a:ext cx="2234077" cy="278854"/>
+          </a:xfrm>
+          <a:prstGeom prst="roundRect">
+            <a:avLst/>
+          </a:prstGeom>
+          <a:solidFill>
+            <a:srgbClr val="E6F1F3"/>
+          </a:solidFill>
+          <a:ln>
+            <a:solidFill>
+              <a:schemeClr val="tx1"/>
+            </a:solidFill>
+          </a:ln>
+        </p:spPr>
+        <p:style>
+          <a:lnRef idx="2">
+            <a:schemeClr val="accent1">
+              <a:shade val="50000"/>
+            </a:schemeClr>
+          </a:lnRef>
+          <a:fillRef idx="1">
+            <a:schemeClr val="accent1"/>
+          </a:fillRef>
+          <a:effectRef idx="0">
+            <a:schemeClr val="accent1"/>
+          </a:effectRef>
+          <a:fontRef idx="minor">
+            <a:schemeClr val="lt1"/>
+          </a:fontRef>
+        </p:style>
+        <p:txBody>
+          <a:bodyPr rtlCol="0" anchor="ctr"/>
+          <a:lstStyle/>
+          <a:p>
+            <a:pPr algn="ctr"/>
+            <a:r>
+              <a:rPr lang="zh-CN" altLang="en-US" sz="1600" dirty="0">
+                <a:solidFill>
+                  <a:schemeClr val="tx1"/>
+                </a:solidFill>
+                <a:latin typeface="Times New Roman" panose="02020603050405020304" pitchFamily="18" charset="0"/>
+                <a:cs typeface="Times New Roman" panose="02020603050405020304" pitchFamily="18" charset="0"/>
+              </a:rPr>
+              <a:t>查看信息</a:t>
+            </a:r>
+          </a:p>
+        </p:txBody>
+      </p:sp>
+      <p:sp>
+        <p:nvSpPr>
+          <p:cNvPr id="24" name="矩形: 圆角 23">
+            <a:extLst>
+              <a:ext uri="{FF2B5EF4-FFF2-40B4-BE49-F238E27FC236}">
+                <a16:creationId xmlns:a16="http://schemas.microsoft.com/office/drawing/2014/main" id="{623857DB-4DEF-E3E5-4F2F-9E9E60784619}"/>
+              </a:ext>
+            </a:extLst>
+          </p:cNvPr>
+          <p:cNvSpPr/>
+          <p:nvPr/>
+        </p:nvSpPr>
+        <p:spPr>
+          <a:xfrm>
+            <a:off x="6012290" y="4464907"/>
+            <a:ext cx="2234077" cy="278854"/>
+          </a:xfrm>
+          <a:prstGeom prst="roundRect">
+            <a:avLst/>
+          </a:prstGeom>
+          <a:solidFill>
+            <a:srgbClr val="E6F1F3"/>
+          </a:solidFill>
+          <a:ln>
+            <a:solidFill>
+              <a:schemeClr val="tx1"/>
+            </a:solidFill>
+          </a:ln>
+        </p:spPr>
+        <p:style>
+          <a:lnRef idx="2">
+            <a:schemeClr val="accent1">
+              <a:shade val="50000"/>
+            </a:schemeClr>
+          </a:lnRef>
+          <a:fillRef idx="1">
+            <a:schemeClr val="accent1"/>
+          </a:fillRef>
+          <a:effectRef idx="0">
+            <a:schemeClr val="accent1"/>
+          </a:effectRef>
+          <a:fontRef idx="minor">
+            <a:schemeClr val="lt1"/>
+          </a:fontRef>
+        </p:style>
+        <p:txBody>
+          <a:bodyPr rtlCol="0" anchor="ctr"/>
+          <a:lstStyle/>
+          <a:p>
+            <a:pPr algn="ctr"/>
+            <a:r>
+              <a:rPr lang="zh-CN" altLang="en-US" sz="1600" dirty="0">
+                <a:solidFill>
+                  <a:schemeClr val="tx1"/>
+                </a:solidFill>
+                <a:latin typeface="Times New Roman" panose="02020603050405020304" pitchFamily="18" charset="0"/>
+                <a:cs typeface="Times New Roman" panose="02020603050405020304" pitchFamily="18" charset="0"/>
+              </a:rPr>
+              <a:t>修改个人信息</a:t>
+            </a:r>
+          </a:p>
+        </p:txBody>
+      </p:sp>
+      <p:sp>
+        <p:nvSpPr>
+          <p:cNvPr id="26" name="文本框 25">
+            <a:extLst>
+              <a:ext uri="{FF2B5EF4-FFF2-40B4-BE49-F238E27FC236}">
+                <a16:creationId xmlns:a16="http://schemas.microsoft.com/office/drawing/2014/main" id="{D7CD41EA-B76D-AF86-A96D-9D6D2D3FDDF7}"/>
+              </a:ext>
+            </a:extLst>
+          </p:cNvPr>
+          <p:cNvSpPr txBox="1"/>
+          <p:nvPr/>
+        </p:nvSpPr>
+        <p:spPr>
+          <a:xfrm>
+            <a:off x="137065" y="3870364"/>
+            <a:ext cx="2030909" cy="369332"/>
+          </a:xfrm>
+          <a:prstGeom prst="rect">
+            <a:avLst/>
+          </a:prstGeom>
+          <a:noFill/>
+        </p:spPr>
+        <p:txBody>
+          <a:bodyPr wrap="square">
+            <a:spAutoFit/>
+          </a:bodyPr>
+          <a:lstStyle/>
+          <a:p>
+            <a:pPr algn="ctr"/>
+            <a:r>
+              <a:rPr lang="zh-CN" altLang="en-US" dirty="0">
+                <a:solidFill>
+                  <a:schemeClr val="tx1"/>
+                </a:solidFill>
+                <a:latin typeface="Times New Roman" panose="02020603050405020304" pitchFamily="18" charset="0"/>
+                <a:cs typeface="Times New Roman" panose="02020603050405020304" pitchFamily="18" charset="0"/>
+              </a:rPr>
+              <a:t>注册用户</a:t>
+            </a:r>
+          </a:p>
+        </p:txBody>
+      </p:sp>
+      <p:sp>
+        <p:nvSpPr>
+          <p:cNvPr id="27" name="矩形: 圆角 26">
+            <a:extLst>
+              <a:ext uri="{FF2B5EF4-FFF2-40B4-BE49-F238E27FC236}">
+                <a16:creationId xmlns:a16="http://schemas.microsoft.com/office/drawing/2014/main" id="{C2F6B30A-A05D-378F-1200-D97E472812FB}"/>
+              </a:ext>
+            </a:extLst>
+          </p:cNvPr>
+          <p:cNvSpPr/>
+          <p:nvPr/>
+        </p:nvSpPr>
+        <p:spPr>
+          <a:xfrm>
+            <a:off x="2992754" y="1029839"/>
+            <a:ext cx="2420390" cy="432856"/>
+          </a:xfrm>
+          <a:prstGeom prst="roundRect">
+            <a:avLst/>
+          </a:prstGeom>
+          <a:solidFill>
+            <a:srgbClr val="E6F1F3"/>
+          </a:solidFill>
+          <a:ln>
+            <a:solidFill>
+              <a:schemeClr val="tx1"/>
+            </a:solidFill>
+          </a:ln>
+        </p:spPr>
+        <p:style>
+          <a:lnRef idx="2">
+            <a:schemeClr val="accent1">
+              <a:shade val="50000"/>
+            </a:schemeClr>
+          </a:lnRef>
+          <a:fillRef idx="1">
+            <a:schemeClr val="accent1"/>
+          </a:fillRef>
+          <a:effectRef idx="0">
+            <a:schemeClr val="accent1"/>
+          </a:effectRef>
+          <a:fontRef idx="minor">
+            <a:schemeClr val="lt1"/>
+          </a:fontRef>
+        </p:style>
+        <p:txBody>
+          <a:bodyPr rtlCol="0" anchor="ctr"/>
+          <a:lstStyle/>
+          <a:p>
+            <a:pPr algn="ctr"/>
+            <a:r>
+              <a:rPr lang="zh-CN" altLang="en-US" dirty="0">
+                <a:solidFill>
+                  <a:schemeClr val="tx1"/>
+                </a:solidFill>
+                <a:latin typeface="Times New Roman" panose="02020603050405020304" pitchFamily="18" charset="0"/>
+                <a:cs typeface="Times New Roman" panose="02020603050405020304" pitchFamily="18" charset="0"/>
+              </a:rPr>
+              <a:t>注册</a:t>
+            </a:r>
+          </a:p>
+        </p:txBody>
+      </p:sp>
+      <p:sp>
+        <p:nvSpPr>
+          <p:cNvPr id="28" name="右大括号 27">
+            <a:extLst>
+              <a:ext uri="{FF2B5EF4-FFF2-40B4-BE49-F238E27FC236}">
+                <a16:creationId xmlns:a16="http://schemas.microsoft.com/office/drawing/2014/main" id="{C319C09C-F3AB-70C8-157A-3C0E405AEA16}"/>
+              </a:ext>
+            </a:extLst>
+          </p:cNvPr>
+          <p:cNvSpPr/>
+          <p:nvPr/>
+        </p:nvSpPr>
+        <p:spPr>
+          <a:xfrm rot="10800000">
+            <a:off x="5534344" y="4158028"/>
+            <a:ext cx="356746" cy="563932"/>
+          </a:xfrm>
+          <a:prstGeom prst="rightBrace">
+            <a:avLst/>
+          </a:prstGeom>
+          <a:ln w="15875">
+            <a:solidFill>
+              <a:schemeClr val="tx1"/>
+            </a:solidFill>
+          </a:ln>
+        </p:spPr>
+        <p:style>
+          <a:lnRef idx="1">
+            <a:schemeClr val="accent1"/>
+          </a:lnRef>
+          <a:fillRef idx="0">
+            <a:schemeClr val="accent1"/>
+          </a:fillRef>
+          <a:effectRef idx="0">
+            <a:schemeClr val="accent1"/>
+          </a:effectRef>
+          <a:fontRef idx="minor">
+            <a:schemeClr val="tx1"/>
+          </a:fontRef>
+        </p:style>
+        <p:txBody>
+          <a:bodyPr rtlCol="0" anchor="ctr"/>
+          <a:lstStyle/>
+          <a:p>
+            <a:pPr algn="ctr"/>
+            <a:endParaRPr lang="zh-CN" altLang="en-US"/>
+          </a:p>
+        </p:txBody>
+      </p:sp>
+      <p:sp>
+        <p:nvSpPr>
+          <p:cNvPr id="29" name="矩形: 圆角 28">
+            <a:extLst>
+              <a:ext uri="{FF2B5EF4-FFF2-40B4-BE49-F238E27FC236}">
+                <a16:creationId xmlns:a16="http://schemas.microsoft.com/office/drawing/2014/main" id="{DC84F290-B732-A414-D743-FEDB2282E791}"/>
+              </a:ext>
+            </a:extLst>
+          </p:cNvPr>
+          <p:cNvSpPr/>
+          <p:nvPr/>
+        </p:nvSpPr>
+        <p:spPr>
+          <a:xfrm>
+            <a:off x="2992754" y="5325849"/>
+            <a:ext cx="2420390" cy="432856"/>
+          </a:xfrm>
+          <a:prstGeom prst="roundRect">
+            <a:avLst/>
+          </a:prstGeom>
+          <a:solidFill>
+            <a:srgbClr val="E6F1F3"/>
+          </a:solidFill>
+          <a:ln>
+            <a:solidFill>
+              <a:schemeClr val="tx1"/>
+            </a:solidFill>
+          </a:ln>
+        </p:spPr>
+        <p:style>
+          <a:lnRef idx="2">
+            <a:schemeClr val="accent1">
+              <a:shade val="50000"/>
+            </a:schemeClr>
+          </a:lnRef>
+          <a:fillRef idx="1">
+            <a:schemeClr val="accent1"/>
+          </a:fillRef>
+          <a:effectRef idx="0">
+            <a:schemeClr val="accent1"/>
+          </a:effectRef>
+          <a:fontRef idx="minor">
+            <a:schemeClr val="lt1"/>
+          </a:fontRef>
+        </p:style>
+        <p:txBody>
+          <a:bodyPr rtlCol="0" anchor="ctr"/>
+          <a:lstStyle/>
+          <a:p>
+            <a:pPr algn="ctr"/>
+            <a:r>
+              <a:rPr lang="zh-CN" altLang="en-US" dirty="0">
+                <a:solidFill>
+                  <a:schemeClr val="tx1"/>
+                </a:solidFill>
+                <a:latin typeface="Times New Roman" panose="02020603050405020304" pitchFamily="18" charset="0"/>
+                <a:cs typeface="Times New Roman" panose="02020603050405020304" pitchFamily="18" charset="0"/>
+              </a:rPr>
+              <a:t>关于我们</a:t>
+            </a:r>
+          </a:p>
+        </p:txBody>
+      </p:sp>
+      <p:sp>
+        <p:nvSpPr>
+          <p:cNvPr id="30" name="矩形: 圆角 29">
+            <a:extLst>
+              <a:ext uri="{FF2B5EF4-FFF2-40B4-BE49-F238E27FC236}">
+                <a16:creationId xmlns:a16="http://schemas.microsoft.com/office/drawing/2014/main" id="{471F4BA1-28BD-D84A-FA33-A55C9C51E2E3}"/>
+              </a:ext>
+            </a:extLst>
+          </p:cNvPr>
+          <p:cNvSpPr/>
+          <p:nvPr/>
+        </p:nvSpPr>
+        <p:spPr>
+          <a:xfrm>
+            <a:off x="2992753" y="5831786"/>
+            <a:ext cx="2420390" cy="432856"/>
+          </a:xfrm>
+          <a:prstGeom prst="roundRect">
+            <a:avLst/>
+          </a:prstGeom>
+          <a:solidFill>
+            <a:srgbClr val="E6F1F3"/>
+          </a:solidFill>
+          <a:ln>
+            <a:solidFill>
+              <a:schemeClr val="tx1"/>
+            </a:solidFill>
+          </a:ln>
+        </p:spPr>
+        <p:style>
+          <a:lnRef idx="2">
+            <a:schemeClr val="accent1">
+              <a:shade val="50000"/>
+            </a:schemeClr>
+          </a:lnRef>
+          <a:fillRef idx="1">
+            <a:schemeClr val="accent1"/>
+          </a:fillRef>
+          <a:effectRef idx="0">
+            <a:schemeClr val="accent1"/>
+          </a:effectRef>
+          <a:fontRef idx="minor">
+            <a:schemeClr val="lt1"/>
+          </a:fontRef>
+        </p:style>
+        <p:txBody>
+          <a:bodyPr rtlCol="0" anchor="ctr"/>
+          <a:lstStyle/>
+          <a:p>
+            <a:pPr algn="ctr"/>
+            <a:r>
+              <a:rPr lang="zh-CN" altLang="en-US" dirty="0">
+                <a:solidFill>
+                  <a:schemeClr val="tx1"/>
+                </a:solidFill>
+                <a:latin typeface="Times New Roman" panose="02020603050405020304" pitchFamily="18" charset="0"/>
+                <a:cs typeface="Times New Roman" panose="02020603050405020304" pitchFamily="18" charset="0"/>
+              </a:rPr>
+              <a:t>访问公告</a:t>
+            </a:r>
+          </a:p>
+        </p:txBody>
+      </p:sp>
+      <p:sp>
+        <p:nvSpPr>
+          <p:cNvPr id="31" name="文本框 30">
+            <a:extLst>
+              <a:ext uri="{FF2B5EF4-FFF2-40B4-BE49-F238E27FC236}">
+                <a16:creationId xmlns:a16="http://schemas.microsoft.com/office/drawing/2014/main" id="{B345043B-A2FD-C6B9-F3AB-0BFBA79C94CB}"/>
+              </a:ext>
+            </a:extLst>
+          </p:cNvPr>
+          <p:cNvSpPr txBox="1"/>
+          <p:nvPr/>
+        </p:nvSpPr>
+        <p:spPr>
+          <a:xfrm>
+            <a:off x="1818" y="600599"/>
+            <a:ext cx="2869736" cy="461665"/>
+          </a:xfrm>
+          <a:prstGeom prst="rect">
+            <a:avLst/>
+          </a:prstGeom>
+          <a:noFill/>
+        </p:spPr>
+        <p:txBody>
+          <a:bodyPr wrap="square">
+            <a:spAutoFit/>
+          </a:bodyPr>
+          <a:lstStyle/>
+          <a:p>
+            <a:pPr algn="ctr"/>
+            <a:r>
+              <a:rPr lang="zh-CN" altLang="en-US" sz="2400" b="1" dirty="0">
+                <a:latin typeface="Times New Roman" panose="02020603050405020304" pitchFamily="18" charset="0"/>
+                <a:cs typeface="Times New Roman" panose="02020603050405020304" pitchFamily="18" charset="0"/>
+              </a:rPr>
+              <a:t>注册用户</a:t>
+            </a:r>
+            <a:r>
+              <a:rPr lang="zh-CN" altLang="en-US" sz="2400" b="1" dirty="0">
+                <a:solidFill>
+                  <a:schemeClr val="tx1"/>
+                </a:solidFill>
+                <a:latin typeface="Times New Roman" panose="02020603050405020304" pitchFamily="18" charset="0"/>
+                <a:cs typeface="Times New Roman" panose="02020603050405020304" pitchFamily="18" charset="0"/>
+              </a:rPr>
+              <a:t>的功能</a:t>
+            </a:r>
+          </a:p>
+        </p:txBody>
+      </p:sp>
+    </p:spTree>
+    <p:extLst>
+      <p:ext uri="{BB962C8B-B14F-4D97-AF65-F5344CB8AC3E}">
+        <p14:creationId xmlns:p14="http://schemas.microsoft.com/office/powerpoint/2010/main" val="108859333"/>
+      </p:ext>
+    </p:extLst>
+  </p:cSld>
+  <p:clrMapOvr>
+    <a:masterClrMapping/>
+  </p:clrMapOvr>
+</p:sld>
+</file>
+
+<file path=ppt/slides/slide7.xml><?xml version="1.0" encoding="utf-8"?>
+<p:sld xmlns:a="http://schemas.openxmlformats.org/drawingml/2006/main" xmlns:r="http://schemas.openxmlformats.org/officeDocument/2006/relationships" xmlns:p="http://schemas.openxmlformats.org/presentationml/2006/main">
+  <p:cSld>
+    <p:spTree>
+      <p:nvGrpSpPr>
+        <p:cNvPr id="1" name=""/>
+        <p:cNvGrpSpPr/>
+        <p:nvPr/>
+      </p:nvGrpSpPr>
+      <p:grpSpPr>
+        <a:xfrm>
+          <a:off x="0" y="0"/>
+          <a:ext cx="0" cy="0"/>
+          <a:chOff x="0" y="0"/>
+          <a:chExt cx="0" cy="0"/>
+        </a:xfrm>
+      </p:grpSpPr>
+    </p:spTree>
+    <p:extLst>
+      <p:ext uri="{BB962C8B-B14F-4D97-AF65-F5344CB8AC3E}">
+        <p14:creationId xmlns:p14="http://schemas.microsoft.com/office/powerpoint/2010/main" val="3061086757"/>
+      </p:ext>
+    </p:extLst>
+  </p:cSld>
+  <p:clrMapOvr>
+    <a:masterClrMapping/>
+  </p:clrMapOvr>
+</p:sld>
+</file>
+
+<file path=ppt/slides/slide8.xml><?xml version="1.0" encoding="utf-8"?>
+<p:sld xmlns:a="http://schemas.openxmlformats.org/drawingml/2006/main" xmlns:r="http://schemas.openxmlformats.org/officeDocument/2006/relationships" xmlns:p="http://schemas.openxmlformats.org/presentationml/2006/main">
+  <p:cSld>
+    <p:spTree>
+      <p:nvGrpSpPr>
+        <p:cNvPr id="1" name=""/>
+        <p:cNvGrpSpPr/>
+        <p:nvPr/>
+      </p:nvGrpSpPr>
+      <p:grpSpPr>
+        <a:xfrm>
+          <a:off x="0" y="0"/>
+          <a:ext cx="0" cy="0"/>
+          <a:chOff x="0" y="0"/>
+          <a:chExt cx="0" cy="0"/>
+        </a:xfrm>
+      </p:grpSpPr>
       <p:sp>
         <p:nvSpPr>
           <p:cNvPr id="2" name="标题 1">
             <a:extLst>
               <a:ext uri="{FF2B5EF4-FFF2-40B4-BE49-F238E27FC236}">
-                <a16:creationId xmlns:a16="http://schemas.microsoft.com/office/drawing/2014/main" id="{D3CCB6C9-24E5-04C3-A0E8-598509F79357}"/>
+                <a16:creationId xmlns:a16="http://schemas.microsoft.com/office/drawing/2014/main" id="{28AB1C5B-FF8E-CA79-7502-FAB323F48E77}"/>
               </a:ext>
             </a:extLst>
           </p:cNvPr>
@@ -6796,7 +10658,7 @@
           <p:cNvPr id="3" name="内容占位符 2">
             <a:extLst>
               <a:ext uri="{FF2B5EF4-FFF2-40B4-BE49-F238E27FC236}">
-                <a16:creationId xmlns:a16="http://schemas.microsoft.com/office/drawing/2014/main" id="{7629FD5B-D661-4493-999F-5863239F4427}"/>
+                <a16:creationId xmlns:a16="http://schemas.microsoft.com/office/drawing/2014/main" id="{D53946D3-1B3C-D0ED-C9C3-6D99C6F92777}"/>
               </a:ext>
             </a:extLst>
           </p:cNvPr>
@@ -6819,7 +10681,7 @@
     </p:spTree>
     <p:extLst>
       <p:ext uri="{BB962C8B-B14F-4D97-AF65-F5344CB8AC3E}">
-        <p14:creationId xmlns:p14="http://schemas.microsoft.com/office/powerpoint/2010/main" val="913018763"/>
+        <p14:creationId xmlns:p14="http://schemas.microsoft.com/office/powerpoint/2010/main" val="2698831210"/>
       </p:ext>
     </p:extLst>
   </p:cSld>
